--- a/documents/Class 메모리 그리기.pptx
+++ b/documents/Class 메모리 그리기.pptx
@@ -9,6 +9,7 @@
     <p:sldId id="257" r:id="rId3"/>
     <p:sldId id="258" r:id="rId4"/>
     <p:sldId id="259" r:id="rId5"/>
+    <p:sldId id="260" r:id="rId6"/>
   </p:sldIdLst>
   <p:sldSz cx="9144000" cy="6858000" type="screen4x3"/>
   <p:notesSz cx="6858000" cy="9144000"/>
@@ -107,6 +108,22 @@
       </a:defRPr>
     </a:lvl9pPr>
   </p:defaultTextStyle>
+  <p:extLst>
+    <p:ext uri="{EFAFB233-063F-42B5-8137-9DF3F51BA10A}">
+      <p15:sldGuideLst xmlns:p15="http://schemas.microsoft.com/office/powerpoint/2012/main">
+        <p15:guide id="1" orient="horz" pos="2160">
+          <p15:clr>
+            <a:srgbClr val="A4A3A4"/>
+          </p15:clr>
+        </p15:guide>
+        <p15:guide id="2" pos="2880">
+          <p15:clr>
+            <a:srgbClr val="A4A3A4"/>
+          </p15:clr>
+        </p15:guide>
+      </p15:sldGuideLst>
+    </p:ext>
+  </p:extLst>
 </p:presentation>
 </file>
 
@@ -148,10 +165,9 @@
           <a:lstStyle/>
           <a:p>
             <a:r>
-              <a:rPr lang="ko-KR" altLang="en-US" smtClean="0"/>
+              <a:rPr lang="ko-KR" altLang="en-US"/>
               <a:t>마스터 제목 스타일 편집</a:t>
             </a:r>
-            <a:endParaRPr lang="ko-KR" altLang="en-US"/>
           </a:p>
         </p:txBody>
       </p:sp>
@@ -267,10 +283,9 @@
           </a:lstStyle>
           <a:p>
             <a:r>
-              <a:rPr lang="ko-KR" altLang="en-US" smtClean="0"/>
+              <a:rPr lang="ko-KR" altLang="en-US"/>
               <a:t>마스터 부제목 스타일 편집</a:t>
             </a:r>
-            <a:endParaRPr lang="ko-KR" altLang="en-US"/>
           </a:p>
         </p:txBody>
       </p:sp>
@@ -291,7 +306,7 @@
           <a:p>
             <a:fld id="{7454F1B3-8918-4906-9E40-56CC44B609F6}" type="datetimeFigureOut">
               <a:rPr lang="ko-KR" altLang="en-US" smtClean="0"/>
-              <a:t>2019-11-07</a:t>
+              <a:t>2019-11-10</a:t>
             </a:fld>
             <a:endParaRPr lang="ko-KR" altLang="en-US"/>
           </a:p>
@@ -385,10 +400,9 @@
           <a:lstStyle/>
           <a:p>
             <a:r>
-              <a:rPr lang="ko-KR" altLang="en-US" smtClean="0"/>
+              <a:rPr lang="ko-KR" altLang="en-US"/>
               <a:t>마스터 제목 스타일 편집</a:t>
             </a:r>
-            <a:endParaRPr lang="ko-KR" altLang="en-US"/>
           </a:p>
         </p:txBody>
       </p:sp>
@@ -409,38 +423,37 @@
           <a:p>
             <a:pPr lvl="0"/>
             <a:r>
-              <a:rPr lang="ko-KR" altLang="en-US" smtClean="0"/>
+              <a:rPr lang="ko-KR" altLang="en-US"/>
               <a:t>마스터 텍스트 스타일을 편집합니다</a:t>
             </a:r>
           </a:p>
           <a:p>
             <a:pPr lvl="1"/>
             <a:r>
-              <a:rPr lang="ko-KR" altLang="en-US" smtClean="0"/>
+              <a:rPr lang="ko-KR" altLang="en-US"/>
               <a:t>둘째 수준</a:t>
             </a:r>
           </a:p>
           <a:p>
             <a:pPr lvl="2"/>
             <a:r>
-              <a:rPr lang="ko-KR" altLang="en-US" smtClean="0"/>
+              <a:rPr lang="ko-KR" altLang="en-US"/>
               <a:t>셋째 수준</a:t>
             </a:r>
           </a:p>
           <a:p>
             <a:pPr lvl="3"/>
             <a:r>
-              <a:rPr lang="ko-KR" altLang="en-US" smtClean="0"/>
+              <a:rPr lang="ko-KR" altLang="en-US"/>
               <a:t>넷째 수준</a:t>
             </a:r>
           </a:p>
           <a:p>
             <a:pPr lvl="4"/>
             <a:r>
-              <a:rPr lang="ko-KR" altLang="en-US" smtClean="0"/>
+              <a:rPr lang="ko-KR" altLang="en-US"/>
               <a:t>다섯째 수준</a:t>
             </a:r>
-            <a:endParaRPr lang="ko-KR" altLang="en-US"/>
           </a:p>
         </p:txBody>
       </p:sp>
@@ -461,7 +474,7 @@
           <a:p>
             <a:fld id="{7454F1B3-8918-4906-9E40-56CC44B609F6}" type="datetimeFigureOut">
               <a:rPr lang="ko-KR" altLang="en-US" smtClean="0"/>
-              <a:t>2019-11-07</a:t>
+              <a:t>2019-11-10</a:t>
             </a:fld>
             <a:endParaRPr lang="ko-KR" altLang="en-US"/>
           </a:p>
@@ -560,10 +573,9 @@
           <a:lstStyle/>
           <a:p>
             <a:r>
-              <a:rPr lang="ko-KR" altLang="en-US" smtClean="0"/>
+              <a:rPr lang="ko-KR" altLang="en-US"/>
               <a:t>마스터 제목 스타일 편집</a:t>
             </a:r>
-            <a:endParaRPr lang="ko-KR" altLang="en-US"/>
           </a:p>
         </p:txBody>
       </p:sp>
@@ -589,38 +601,37 @@
           <a:p>
             <a:pPr lvl="0"/>
             <a:r>
-              <a:rPr lang="ko-KR" altLang="en-US" smtClean="0"/>
+              <a:rPr lang="ko-KR" altLang="en-US"/>
               <a:t>마스터 텍스트 스타일을 편집합니다</a:t>
             </a:r>
           </a:p>
           <a:p>
             <a:pPr lvl="1"/>
             <a:r>
-              <a:rPr lang="ko-KR" altLang="en-US" smtClean="0"/>
+              <a:rPr lang="ko-KR" altLang="en-US"/>
               <a:t>둘째 수준</a:t>
             </a:r>
           </a:p>
           <a:p>
             <a:pPr lvl="2"/>
             <a:r>
-              <a:rPr lang="ko-KR" altLang="en-US" smtClean="0"/>
+              <a:rPr lang="ko-KR" altLang="en-US"/>
               <a:t>셋째 수준</a:t>
             </a:r>
           </a:p>
           <a:p>
             <a:pPr lvl="3"/>
             <a:r>
-              <a:rPr lang="ko-KR" altLang="en-US" smtClean="0"/>
+              <a:rPr lang="ko-KR" altLang="en-US"/>
               <a:t>넷째 수준</a:t>
             </a:r>
           </a:p>
           <a:p>
             <a:pPr lvl="4"/>
             <a:r>
-              <a:rPr lang="ko-KR" altLang="en-US" smtClean="0"/>
+              <a:rPr lang="ko-KR" altLang="en-US"/>
               <a:t>다섯째 수준</a:t>
             </a:r>
-            <a:endParaRPr lang="ko-KR" altLang="en-US"/>
           </a:p>
         </p:txBody>
       </p:sp>
@@ -641,7 +652,7 @@
           <a:p>
             <a:fld id="{7454F1B3-8918-4906-9E40-56CC44B609F6}" type="datetimeFigureOut">
               <a:rPr lang="ko-KR" altLang="en-US" smtClean="0"/>
-              <a:t>2019-11-07</a:t>
+              <a:t>2019-11-10</a:t>
             </a:fld>
             <a:endParaRPr lang="ko-KR" altLang="en-US"/>
           </a:p>
@@ -735,10 +746,9 @@
           <a:lstStyle/>
           <a:p>
             <a:r>
-              <a:rPr lang="ko-KR" altLang="en-US" smtClean="0"/>
+              <a:rPr lang="ko-KR" altLang="en-US"/>
               <a:t>마스터 제목 스타일 편집</a:t>
             </a:r>
-            <a:endParaRPr lang="ko-KR" altLang="en-US"/>
           </a:p>
         </p:txBody>
       </p:sp>
@@ -759,38 +769,37 @@
           <a:p>
             <a:pPr lvl="0"/>
             <a:r>
-              <a:rPr lang="ko-KR" altLang="en-US" smtClean="0"/>
+              <a:rPr lang="ko-KR" altLang="en-US"/>
               <a:t>마스터 텍스트 스타일을 편집합니다</a:t>
             </a:r>
           </a:p>
           <a:p>
             <a:pPr lvl="1"/>
             <a:r>
-              <a:rPr lang="ko-KR" altLang="en-US" smtClean="0"/>
+              <a:rPr lang="ko-KR" altLang="en-US"/>
               <a:t>둘째 수준</a:t>
             </a:r>
           </a:p>
           <a:p>
             <a:pPr lvl="2"/>
             <a:r>
-              <a:rPr lang="ko-KR" altLang="en-US" smtClean="0"/>
+              <a:rPr lang="ko-KR" altLang="en-US"/>
               <a:t>셋째 수준</a:t>
             </a:r>
           </a:p>
           <a:p>
             <a:pPr lvl="3"/>
             <a:r>
-              <a:rPr lang="ko-KR" altLang="en-US" smtClean="0"/>
+              <a:rPr lang="ko-KR" altLang="en-US"/>
               <a:t>넷째 수준</a:t>
             </a:r>
           </a:p>
           <a:p>
             <a:pPr lvl="4"/>
             <a:r>
-              <a:rPr lang="ko-KR" altLang="en-US" smtClean="0"/>
+              <a:rPr lang="ko-KR" altLang="en-US"/>
               <a:t>다섯째 수준</a:t>
             </a:r>
-            <a:endParaRPr lang="ko-KR" altLang="en-US"/>
           </a:p>
         </p:txBody>
       </p:sp>
@@ -811,7 +820,7 @@
           <a:p>
             <a:fld id="{7454F1B3-8918-4906-9E40-56CC44B609F6}" type="datetimeFigureOut">
               <a:rPr lang="ko-KR" altLang="en-US" smtClean="0"/>
-              <a:t>2019-11-07</a:t>
+              <a:t>2019-11-10</a:t>
             </a:fld>
             <a:endParaRPr lang="ko-KR" altLang="en-US"/>
           </a:p>
@@ -914,10 +923,9 @@
           </a:lstStyle>
           <a:p>
             <a:r>
-              <a:rPr lang="ko-KR" altLang="en-US" smtClean="0"/>
+              <a:rPr lang="ko-KR" altLang="en-US"/>
               <a:t>마스터 제목 스타일 편집</a:t>
             </a:r>
-            <a:endParaRPr lang="ko-KR" altLang="en-US"/>
           </a:p>
         </p:txBody>
       </p:sp>
@@ -1034,7 +1042,7 @@
           <a:p>
             <a:pPr lvl="0"/>
             <a:r>
-              <a:rPr lang="ko-KR" altLang="en-US" smtClean="0"/>
+              <a:rPr lang="ko-KR" altLang="en-US"/>
               <a:t>마스터 텍스트 스타일을 편집합니다</a:t>
             </a:r>
           </a:p>
@@ -1057,7 +1065,7 @@
           <a:p>
             <a:fld id="{7454F1B3-8918-4906-9E40-56CC44B609F6}" type="datetimeFigureOut">
               <a:rPr lang="ko-KR" altLang="en-US" smtClean="0"/>
-              <a:t>2019-11-07</a:t>
+              <a:t>2019-11-10</a:t>
             </a:fld>
             <a:endParaRPr lang="ko-KR" altLang="en-US"/>
           </a:p>
@@ -1151,10 +1159,9 @@
           <a:lstStyle/>
           <a:p>
             <a:r>
-              <a:rPr lang="ko-KR" altLang="en-US" smtClean="0"/>
+              <a:rPr lang="ko-KR" altLang="en-US"/>
               <a:t>마스터 제목 스타일 편집</a:t>
             </a:r>
-            <a:endParaRPr lang="ko-KR" altLang="en-US"/>
           </a:p>
         </p:txBody>
       </p:sp>
@@ -1208,38 +1215,37 @@
           <a:p>
             <a:pPr lvl="0"/>
             <a:r>
-              <a:rPr lang="ko-KR" altLang="en-US" smtClean="0"/>
+              <a:rPr lang="ko-KR" altLang="en-US"/>
               <a:t>마스터 텍스트 스타일을 편집합니다</a:t>
             </a:r>
           </a:p>
           <a:p>
             <a:pPr lvl="1"/>
             <a:r>
-              <a:rPr lang="ko-KR" altLang="en-US" smtClean="0"/>
+              <a:rPr lang="ko-KR" altLang="en-US"/>
               <a:t>둘째 수준</a:t>
             </a:r>
           </a:p>
           <a:p>
             <a:pPr lvl="2"/>
             <a:r>
-              <a:rPr lang="ko-KR" altLang="en-US" smtClean="0"/>
+              <a:rPr lang="ko-KR" altLang="en-US"/>
               <a:t>셋째 수준</a:t>
             </a:r>
           </a:p>
           <a:p>
             <a:pPr lvl="3"/>
             <a:r>
-              <a:rPr lang="ko-KR" altLang="en-US" smtClean="0"/>
+              <a:rPr lang="ko-KR" altLang="en-US"/>
               <a:t>넷째 수준</a:t>
             </a:r>
           </a:p>
           <a:p>
             <a:pPr lvl="4"/>
             <a:r>
-              <a:rPr lang="ko-KR" altLang="en-US" smtClean="0"/>
+              <a:rPr lang="ko-KR" altLang="en-US"/>
               <a:t>다섯째 수준</a:t>
             </a:r>
-            <a:endParaRPr lang="ko-KR" altLang="en-US"/>
           </a:p>
         </p:txBody>
       </p:sp>
@@ -1293,38 +1299,37 @@
           <a:p>
             <a:pPr lvl="0"/>
             <a:r>
-              <a:rPr lang="ko-KR" altLang="en-US" smtClean="0"/>
+              <a:rPr lang="ko-KR" altLang="en-US"/>
               <a:t>마스터 텍스트 스타일을 편집합니다</a:t>
             </a:r>
           </a:p>
           <a:p>
             <a:pPr lvl="1"/>
             <a:r>
-              <a:rPr lang="ko-KR" altLang="en-US" smtClean="0"/>
+              <a:rPr lang="ko-KR" altLang="en-US"/>
               <a:t>둘째 수준</a:t>
             </a:r>
           </a:p>
           <a:p>
             <a:pPr lvl="2"/>
             <a:r>
-              <a:rPr lang="ko-KR" altLang="en-US" smtClean="0"/>
+              <a:rPr lang="ko-KR" altLang="en-US"/>
               <a:t>셋째 수준</a:t>
             </a:r>
           </a:p>
           <a:p>
             <a:pPr lvl="3"/>
             <a:r>
-              <a:rPr lang="ko-KR" altLang="en-US" smtClean="0"/>
+              <a:rPr lang="ko-KR" altLang="en-US"/>
               <a:t>넷째 수준</a:t>
             </a:r>
           </a:p>
           <a:p>
             <a:pPr lvl="4"/>
             <a:r>
-              <a:rPr lang="ko-KR" altLang="en-US" smtClean="0"/>
+              <a:rPr lang="ko-KR" altLang="en-US"/>
               <a:t>다섯째 수준</a:t>
             </a:r>
-            <a:endParaRPr lang="ko-KR" altLang="en-US"/>
           </a:p>
         </p:txBody>
       </p:sp>
@@ -1345,7 +1350,7 @@
           <a:p>
             <a:fld id="{7454F1B3-8918-4906-9E40-56CC44B609F6}" type="datetimeFigureOut">
               <a:rPr lang="ko-KR" altLang="en-US" smtClean="0"/>
-              <a:t>2019-11-07</a:t>
+              <a:t>2019-11-10</a:t>
             </a:fld>
             <a:endParaRPr lang="ko-KR" altLang="en-US"/>
           </a:p>
@@ -1443,10 +1448,9 @@
           </a:lstStyle>
           <a:p>
             <a:r>
-              <a:rPr lang="ko-KR" altLang="en-US" smtClean="0"/>
+              <a:rPr lang="ko-KR" altLang="en-US"/>
               <a:t>마스터 제목 스타일 편집</a:t>
             </a:r>
-            <a:endParaRPr lang="ko-KR" altLang="en-US"/>
           </a:p>
         </p:txBody>
       </p:sp>
@@ -1509,7 +1513,7 @@
           <a:p>
             <a:pPr lvl="0"/>
             <a:r>
-              <a:rPr lang="ko-KR" altLang="en-US" smtClean="0"/>
+              <a:rPr lang="ko-KR" altLang="en-US"/>
               <a:t>마스터 텍스트 스타일을 편집합니다</a:t>
             </a:r>
           </a:p>
@@ -1565,38 +1569,37 @@
           <a:p>
             <a:pPr lvl="0"/>
             <a:r>
-              <a:rPr lang="ko-KR" altLang="en-US" smtClean="0"/>
+              <a:rPr lang="ko-KR" altLang="en-US"/>
               <a:t>마스터 텍스트 스타일을 편집합니다</a:t>
             </a:r>
           </a:p>
           <a:p>
             <a:pPr lvl="1"/>
             <a:r>
-              <a:rPr lang="ko-KR" altLang="en-US" smtClean="0"/>
+              <a:rPr lang="ko-KR" altLang="en-US"/>
               <a:t>둘째 수준</a:t>
             </a:r>
           </a:p>
           <a:p>
             <a:pPr lvl="2"/>
             <a:r>
-              <a:rPr lang="ko-KR" altLang="en-US" smtClean="0"/>
+              <a:rPr lang="ko-KR" altLang="en-US"/>
               <a:t>셋째 수준</a:t>
             </a:r>
           </a:p>
           <a:p>
             <a:pPr lvl="3"/>
             <a:r>
-              <a:rPr lang="ko-KR" altLang="en-US" smtClean="0"/>
+              <a:rPr lang="ko-KR" altLang="en-US"/>
               <a:t>넷째 수준</a:t>
             </a:r>
           </a:p>
           <a:p>
             <a:pPr lvl="4"/>
             <a:r>
-              <a:rPr lang="ko-KR" altLang="en-US" smtClean="0"/>
+              <a:rPr lang="ko-KR" altLang="en-US"/>
               <a:t>다섯째 수준</a:t>
             </a:r>
-            <a:endParaRPr lang="ko-KR" altLang="en-US"/>
           </a:p>
         </p:txBody>
       </p:sp>
@@ -1659,7 +1662,7 @@
           <a:p>
             <a:pPr lvl="0"/>
             <a:r>
-              <a:rPr lang="ko-KR" altLang="en-US" smtClean="0"/>
+              <a:rPr lang="ko-KR" altLang="en-US"/>
               <a:t>마스터 텍스트 스타일을 편집합니다</a:t>
             </a:r>
           </a:p>
@@ -1715,38 +1718,37 @@
           <a:p>
             <a:pPr lvl="0"/>
             <a:r>
-              <a:rPr lang="ko-KR" altLang="en-US" smtClean="0"/>
+              <a:rPr lang="ko-KR" altLang="en-US"/>
               <a:t>마스터 텍스트 스타일을 편집합니다</a:t>
             </a:r>
           </a:p>
           <a:p>
             <a:pPr lvl="1"/>
             <a:r>
-              <a:rPr lang="ko-KR" altLang="en-US" smtClean="0"/>
+              <a:rPr lang="ko-KR" altLang="en-US"/>
               <a:t>둘째 수준</a:t>
             </a:r>
           </a:p>
           <a:p>
             <a:pPr lvl="2"/>
             <a:r>
-              <a:rPr lang="ko-KR" altLang="en-US" smtClean="0"/>
+              <a:rPr lang="ko-KR" altLang="en-US"/>
               <a:t>셋째 수준</a:t>
             </a:r>
           </a:p>
           <a:p>
             <a:pPr lvl="3"/>
             <a:r>
-              <a:rPr lang="ko-KR" altLang="en-US" smtClean="0"/>
+              <a:rPr lang="ko-KR" altLang="en-US"/>
               <a:t>넷째 수준</a:t>
             </a:r>
           </a:p>
           <a:p>
             <a:pPr lvl="4"/>
             <a:r>
-              <a:rPr lang="ko-KR" altLang="en-US" smtClean="0"/>
+              <a:rPr lang="ko-KR" altLang="en-US"/>
               <a:t>다섯째 수준</a:t>
             </a:r>
-            <a:endParaRPr lang="ko-KR" altLang="en-US"/>
           </a:p>
         </p:txBody>
       </p:sp>
@@ -1767,7 +1769,7 @@
           <a:p>
             <a:fld id="{7454F1B3-8918-4906-9E40-56CC44B609F6}" type="datetimeFigureOut">
               <a:rPr lang="ko-KR" altLang="en-US" smtClean="0"/>
-              <a:t>2019-11-07</a:t>
+              <a:t>2019-11-10</a:t>
             </a:fld>
             <a:endParaRPr lang="ko-KR" altLang="en-US"/>
           </a:p>
@@ -1861,10 +1863,9 @@
           <a:lstStyle/>
           <a:p>
             <a:r>
-              <a:rPr lang="ko-KR" altLang="en-US" smtClean="0"/>
+              <a:rPr lang="ko-KR" altLang="en-US"/>
               <a:t>마스터 제목 스타일 편집</a:t>
             </a:r>
-            <a:endParaRPr lang="ko-KR" altLang="en-US"/>
           </a:p>
         </p:txBody>
       </p:sp>
@@ -1885,7 +1886,7 @@
           <a:p>
             <a:fld id="{7454F1B3-8918-4906-9E40-56CC44B609F6}" type="datetimeFigureOut">
               <a:rPr lang="ko-KR" altLang="en-US" smtClean="0"/>
-              <a:t>2019-11-07</a:t>
+              <a:t>2019-11-10</a:t>
             </a:fld>
             <a:endParaRPr lang="ko-KR" altLang="en-US"/>
           </a:p>
@@ -1980,7 +1981,7 @@
           <a:p>
             <a:fld id="{7454F1B3-8918-4906-9E40-56CC44B609F6}" type="datetimeFigureOut">
               <a:rPr lang="ko-KR" altLang="en-US" smtClean="0"/>
-              <a:t>2019-11-07</a:t>
+              <a:t>2019-11-10</a:t>
             </a:fld>
             <a:endParaRPr lang="ko-KR" altLang="en-US"/>
           </a:p>
@@ -2083,10 +2084,9 @@
           </a:lstStyle>
           <a:p>
             <a:r>
-              <a:rPr lang="ko-KR" altLang="en-US" smtClean="0"/>
+              <a:rPr lang="ko-KR" altLang="en-US"/>
               <a:t>마스터 제목 스타일 편집</a:t>
             </a:r>
-            <a:endParaRPr lang="ko-KR" altLang="en-US"/>
           </a:p>
         </p:txBody>
       </p:sp>
@@ -2140,38 +2140,37 @@
           <a:p>
             <a:pPr lvl="0"/>
             <a:r>
-              <a:rPr lang="ko-KR" altLang="en-US" smtClean="0"/>
+              <a:rPr lang="ko-KR" altLang="en-US"/>
               <a:t>마스터 텍스트 스타일을 편집합니다</a:t>
             </a:r>
           </a:p>
           <a:p>
             <a:pPr lvl="1"/>
             <a:r>
-              <a:rPr lang="ko-KR" altLang="en-US" smtClean="0"/>
+              <a:rPr lang="ko-KR" altLang="en-US"/>
               <a:t>둘째 수준</a:t>
             </a:r>
           </a:p>
           <a:p>
             <a:pPr lvl="2"/>
             <a:r>
-              <a:rPr lang="ko-KR" altLang="en-US" smtClean="0"/>
+              <a:rPr lang="ko-KR" altLang="en-US"/>
               <a:t>셋째 수준</a:t>
             </a:r>
           </a:p>
           <a:p>
             <a:pPr lvl="3"/>
             <a:r>
-              <a:rPr lang="ko-KR" altLang="en-US" smtClean="0"/>
+              <a:rPr lang="ko-KR" altLang="en-US"/>
               <a:t>넷째 수준</a:t>
             </a:r>
           </a:p>
           <a:p>
             <a:pPr lvl="4"/>
             <a:r>
-              <a:rPr lang="ko-KR" altLang="en-US" smtClean="0"/>
+              <a:rPr lang="ko-KR" altLang="en-US"/>
               <a:t>다섯째 수준</a:t>
             </a:r>
-            <a:endParaRPr lang="ko-KR" altLang="en-US"/>
           </a:p>
         </p:txBody>
       </p:sp>
@@ -2234,7 +2233,7 @@
           <a:p>
             <a:pPr lvl="0"/>
             <a:r>
-              <a:rPr lang="ko-KR" altLang="en-US" smtClean="0"/>
+              <a:rPr lang="ko-KR" altLang="en-US"/>
               <a:t>마스터 텍스트 스타일을 편집합니다</a:t>
             </a:r>
           </a:p>
@@ -2257,7 +2256,7 @@
           <a:p>
             <a:fld id="{7454F1B3-8918-4906-9E40-56CC44B609F6}" type="datetimeFigureOut">
               <a:rPr lang="ko-KR" altLang="en-US" smtClean="0"/>
-              <a:t>2019-11-07</a:t>
+              <a:t>2019-11-10</a:t>
             </a:fld>
             <a:endParaRPr lang="ko-KR" altLang="en-US"/>
           </a:p>
@@ -2360,10 +2359,9 @@
           </a:lstStyle>
           <a:p>
             <a:r>
-              <a:rPr lang="ko-KR" altLang="en-US" smtClean="0"/>
+              <a:rPr lang="ko-KR" altLang="en-US"/>
               <a:t>마스터 제목 스타일 편집</a:t>
             </a:r>
-            <a:endParaRPr lang="ko-KR" altLang="en-US"/>
           </a:p>
         </p:txBody>
       </p:sp>
@@ -2487,7 +2485,7 @@
           <a:p>
             <a:pPr lvl="0"/>
             <a:r>
-              <a:rPr lang="ko-KR" altLang="en-US" smtClean="0"/>
+              <a:rPr lang="ko-KR" altLang="en-US"/>
               <a:t>마스터 텍스트 스타일을 편집합니다</a:t>
             </a:r>
           </a:p>
@@ -2510,7 +2508,7 @@
           <a:p>
             <a:fld id="{7454F1B3-8918-4906-9E40-56CC44B609F6}" type="datetimeFigureOut">
               <a:rPr lang="ko-KR" altLang="en-US" smtClean="0"/>
-              <a:t>2019-11-07</a:t>
+              <a:t>2019-11-10</a:t>
             </a:fld>
             <a:endParaRPr lang="ko-KR" altLang="en-US"/>
           </a:p>
@@ -2619,10 +2617,9 @@
           <a:lstStyle/>
           <a:p>
             <a:r>
-              <a:rPr lang="ko-KR" altLang="en-US" smtClean="0"/>
+              <a:rPr lang="ko-KR" altLang="en-US"/>
               <a:t>마스터 제목 스타일 편집</a:t>
             </a:r>
-            <a:endParaRPr lang="ko-KR" altLang="en-US"/>
           </a:p>
         </p:txBody>
       </p:sp>
@@ -2653,38 +2650,37 @@
           <a:p>
             <a:pPr lvl="0"/>
             <a:r>
-              <a:rPr lang="ko-KR" altLang="en-US" smtClean="0"/>
+              <a:rPr lang="ko-KR" altLang="en-US"/>
               <a:t>마스터 텍스트 스타일을 편집합니다</a:t>
             </a:r>
           </a:p>
           <a:p>
             <a:pPr lvl="1"/>
             <a:r>
-              <a:rPr lang="ko-KR" altLang="en-US" smtClean="0"/>
+              <a:rPr lang="ko-KR" altLang="en-US"/>
               <a:t>둘째 수준</a:t>
             </a:r>
           </a:p>
           <a:p>
             <a:pPr lvl="2"/>
             <a:r>
-              <a:rPr lang="ko-KR" altLang="en-US" smtClean="0"/>
+              <a:rPr lang="ko-KR" altLang="en-US"/>
               <a:t>셋째 수준</a:t>
             </a:r>
           </a:p>
           <a:p>
             <a:pPr lvl="3"/>
             <a:r>
-              <a:rPr lang="ko-KR" altLang="en-US" smtClean="0"/>
+              <a:rPr lang="ko-KR" altLang="en-US"/>
               <a:t>넷째 수준</a:t>
             </a:r>
           </a:p>
           <a:p>
             <a:pPr lvl="4"/>
             <a:r>
-              <a:rPr lang="ko-KR" altLang="en-US" smtClean="0"/>
+              <a:rPr lang="ko-KR" altLang="en-US"/>
               <a:t>다섯째 수준</a:t>
             </a:r>
-            <a:endParaRPr lang="ko-KR" altLang="en-US"/>
           </a:p>
         </p:txBody>
       </p:sp>
@@ -2723,7 +2719,7 @@
           <a:p>
             <a:fld id="{7454F1B3-8918-4906-9E40-56CC44B609F6}" type="datetimeFigureOut">
               <a:rPr lang="ko-KR" altLang="en-US" smtClean="0"/>
-              <a:t>2019-11-07</a:t>
+              <a:t>2019-11-10</a:t>
             </a:fld>
             <a:endParaRPr lang="ko-KR" altLang="en-US"/>
           </a:p>
@@ -3275,7 +3271,7 @@
           <a:lstStyle/>
           <a:p>
             <a:r>
-              <a:rPr lang="en-US" altLang="ko-KR" dirty="0" smtClean="0"/>
+              <a:rPr lang="en-US" altLang="ko-KR" dirty="0"/>
               <a:t>Stack</a:t>
             </a:r>
             <a:endParaRPr lang="ko-KR" altLang="en-US" dirty="0"/>
@@ -3346,7 +3342,7 @@
           <a:lstStyle/>
           <a:p>
             <a:r>
-              <a:rPr lang="en-US" altLang="ko-KR" dirty="0" smtClean="0"/>
+              <a:rPr lang="en-US" altLang="ko-KR" dirty="0"/>
               <a:t>Heap</a:t>
             </a:r>
             <a:endParaRPr lang="ko-KR" altLang="en-US" dirty="0"/>
@@ -3396,7 +3392,7 @@
           <a:p>
             <a:pPr algn="ctr"/>
             <a:r>
-              <a:rPr lang="en-US" altLang="ko-KR" dirty="0" smtClean="0">
+              <a:rPr lang="en-US" altLang="ko-KR" dirty="0">
                 <a:solidFill>
                   <a:schemeClr val="tx1"/>
                 </a:solidFill>
@@ -3476,14 +3472,13 @@
           <a:lstStyle/>
           <a:p>
             <a:r>
-              <a:rPr lang="en-US" altLang="ko-KR" dirty="0" smtClean="0"/>
+              <a:rPr lang="en-US" altLang="ko-KR" dirty="0"/>
               <a:t>TvTest.java </a:t>
             </a:r>
             <a:r>
-              <a:rPr lang="ko-KR" altLang="en-US" dirty="0" smtClean="0"/>
+              <a:rPr lang="ko-KR" altLang="en-US" dirty="0"/>
               <a:t>예제</a:t>
             </a:r>
-            <a:endParaRPr lang="ko-KR" altLang="en-US" dirty="0"/>
           </a:p>
         </p:txBody>
       </p:sp>
@@ -3510,7 +3505,7 @@
           <a:lstStyle/>
           <a:p>
             <a:r>
-              <a:rPr lang="en-US" altLang="ko-KR" sz="2400" dirty="0" smtClean="0"/>
+              <a:rPr lang="en-US" altLang="ko-KR" sz="2400" dirty="0"/>
               <a:t>t</a:t>
             </a:r>
             <a:endParaRPr lang="ko-KR" altLang="en-US" sz="2400" dirty="0"/>
@@ -3579,7 +3574,7 @@
           <a:lstStyle/>
           <a:p>
             <a:r>
-              <a:rPr lang="en-US" altLang="ko-KR" sz="1200" dirty="0" smtClean="0"/>
+              <a:rPr lang="en-US" altLang="ko-KR" sz="1200" dirty="0"/>
               <a:t>0x100</a:t>
             </a:r>
             <a:endParaRPr lang="ko-KR" altLang="en-US" sz="1200" dirty="0"/>
@@ -3687,7 +3682,7 @@
           <a:p>
             <a:pPr algn="ctr"/>
             <a:r>
-              <a:rPr lang="en-US" altLang="ko-KR" dirty="0" smtClean="0">
+              <a:rPr lang="en-US" altLang="ko-KR" dirty="0">
                 <a:solidFill>
                   <a:schemeClr val="tx1"/>
                 </a:solidFill>
@@ -3752,7 +3747,7 @@
           <a:p>
             <a:pPr algn="ctr"/>
             <a:r>
-              <a:rPr lang="en-US" altLang="ko-KR" dirty="0" smtClean="0">
+              <a:rPr lang="en-US" altLang="ko-KR" dirty="0">
                 <a:solidFill>
                   <a:schemeClr val="tx1"/>
                 </a:solidFill>
@@ -3817,7 +3812,7 @@
           <a:p>
             <a:pPr algn="ctr"/>
             <a:r>
-              <a:rPr lang="en-US" altLang="ko-KR" dirty="0" smtClean="0">
+              <a:rPr lang="en-US" altLang="ko-KR" dirty="0">
                 <a:solidFill>
                   <a:schemeClr val="tx1"/>
                 </a:solidFill>
@@ -3855,7 +3850,7 @@
           <a:lstStyle/>
           <a:p>
             <a:r>
-              <a:rPr lang="en-US" altLang="ko-KR" sz="1400" dirty="0" smtClean="0"/>
+              <a:rPr lang="en-US" altLang="ko-KR" sz="1400" dirty="0"/>
               <a:t>color</a:t>
             </a:r>
             <a:endParaRPr lang="ko-KR" altLang="en-US" sz="1400" dirty="0"/>
@@ -3885,7 +3880,7 @@
           <a:lstStyle/>
           <a:p>
             <a:r>
-              <a:rPr lang="en-US" altLang="ko-KR" sz="1400" dirty="0" smtClean="0"/>
+              <a:rPr lang="en-US" altLang="ko-KR" sz="1400" dirty="0"/>
               <a:t>power</a:t>
             </a:r>
             <a:endParaRPr lang="ko-KR" altLang="en-US" sz="1400" dirty="0"/>
@@ -3915,7 +3910,7 @@
           <a:lstStyle/>
           <a:p>
             <a:r>
-              <a:rPr lang="en-US" altLang="ko-KR" sz="1400" dirty="0" smtClean="0"/>
+              <a:rPr lang="en-US" altLang="ko-KR" sz="1400" dirty="0"/>
               <a:t>channel</a:t>
             </a:r>
             <a:endParaRPr lang="ko-KR" altLang="en-US" sz="1400" dirty="0"/>
@@ -3945,7 +3940,7 @@
           <a:lstStyle/>
           <a:p>
             <a:r>
-              <a:rPr lang="en-US" altLang="ko-KR" dirty="0" smtClean="0"/>
+              <a:rPr lang="en-US" altLang="ko-KR" dirty="0"/>
               <a:t>7</a:t>
             </a:r>
             <a:endParaRPr lang="ko-KR" altLang="en-US" dirty="0"/>
@@ -4261,7 +4256,7 @@
           <a:lstStyle/>
           <a:p>
             <a:r>
-              <a:rPr lang="en-US" altLang="ko-KR" dirty="0" smtClean="0"/>
+              <a:rPr lang="en-US" altLang="ko-KR" dirty="0"/>
               <a:t>Stack</a:t>
             </a:r>
             <a:endParaRPr lang="ko-KR" altLang="en-US" dirty="0"/>
@@ -4332,7 +4327,7 @@
           <a:lstStyle/>
           <a:p>
             <a:r>
-              <a:rPr lang="en-US" altLang="ko-KR" dirty="0" smtClean="0"/>
+              <a:rPr lang="en-US" altLang="ko-KR" dirty="0"/>
               <a:t>Heap</a:t>
             </a:r>
             <a:endParaRPr lang="ko-KR" altLang="en-US" dirty="0"/>
@@ -4382,7 +4377,7 @@
           <a:p>
             <a:pPr algn="ctr"/>
             <a:r>
-              <a:rPr lang="en-US" altLang="ko-KR" dirty="0" smtClean="0">
+              <a:rPr lang="en-US" altLang="ko-KR" dirty="0">
                 <a:solidFill>
                   <a:schemeClr val="tx1"/>
                 </a:solidFill>
@@ -4464,14 +4459,13 @@
           <a:lstStyle/>
           <a:p>
             <a:r>
-              <a:rPr lang="en-US" altLang="ko-KR" dirty="0" smtClean="0"/>
+              <a:rPr lang="en-US" altLang="ko-KR" dirty="0"/>
               <a:t>TvTest2.java </a:t>
             </a:r>
             <a:r>
-              <a:rPr lang="ko-KR" altLang="en-US" dirty="0" smtClean="0"/>
+              <a:rPr lang="ko-KR" altLang="en-US" dirty="0"/>
               <a:t>예제</a:t>
             </a:r>
-            <a:endParaRPr lang="ko-KR" altLang="en-US" dirty="0"/>
           </a:p>
         </p:txBody>
       </p:sp>
@@ -4498,7 +4492,7 @@
           <a:lstStyle/>
           <a:p>
             <a:r>
-              <a:rPr lang="en-US" altLang="ko-KR" sz="2400" dirty="0" smtClean="0"/>
+              <a:rPr lang="en-US" altLang="ko-KR" sz="2400" dirty="0"/>
               <a:t>t1</a:t>
             </a:r>
             <a:endParaRPr lang="ko-KR" altLang="en-US" sz="2400" dirty="0"/>
@@ -4567,7 +4561,7 @@
           <a:lstStyle/>
           <a:p>
             <a:r>
-              <a:rPr lang="en-US" altLang="ko-KR" sz="1200" dirty="0" smtClean="0"/>
+              <a:rPr lang="en-US" altLang="ko-KR" sz="1200" dirty="0"/>
               <a:t>0x100</a:t>
             </a:r>
             <a:endParaRPr lang="ko-KR" altLang="en-US" sz="1200" dirty="0"/>
@@ -4675,7 +4669,7 @@
           <a:p>
             <a:pPr algn="ctr"/>
             <a:r>
-              <a:rPr lang="en-US" altLang="ko-KR" dirty="0" smtClean="0">
+              <a:rPr lang="en-US" altLang="ko-KR" dirty="0">
                 <a:solidFill>
                   <a:schemeClr val="tx1"/>
                 </a:solidFill>
@@ -4740,7 +4734,7 @@
           <a:p>
             <a:pPr algn="ctr"/>
             <a:r>
-              <a:rPr lang="en-US" altLang="ko-KR" dirty="0" smtClean="0">
+              <a:rPr lang="en-US" altLang="ko-KR" dirty="0">
                 <a:solidFill>
                   <a:schemeClr val="tx1"/>
                 </a:solidFill>
@@ -4805,7 +4799,7 @@
           <a:p>
             <a:pPr algn="ctr"/>
             <a:r>
-              <a:rPr lang="en-US" altLang="ko-KR" dirty="0" smtClean="0">
+              <a:rPr lang="en-US" altLang="ko-KR" dirty="0">
                 <a:solidFill>
                   <a:schemeClr val="tx1"/>
                 </a:solidFill>
@@ -4843,7 +4837,7 @@
           <a:lstStyle/>
           <a:p>
             <a:r>
-              <a:rPr lang="en-US" altLang="ko-KR" sz="1400" dirty="0" smtClean="0"/>
+              <a:rPr lang="en-US" altLang="ko-KR" sz="1400" dirty="0"/>
               <a:t>color</a:t>
             </a:r>
             <a:endParaRPr lang="ko-KR" altLang="en-US" sz="1400" dirty="0"/>
@@ -4873,7 +4867,7 @@
           <a:lstStyle/>
           <a:p>
             <a:r>
-              <a:rPr lang="en-US" altLang="ko-KR" sz="1400" dirty="0" smtClean="0"/>
+              <a:rPr lang="en-US" altLang="ko-KR" sz="1400" dirty="0"/>
               <a:t>power</a:t>
             </a:r>
             <a:endParaRPr lang="ko-KR" altLang="en-US" sz="1400" dirty="0"/>
@@ -4903,7 +4897,7 @@
           <a:lstStyle/>
           <a:p>
             <a:r>
-              <a:rPr lang="en-US" altLang="ko-KR" sz="1400" dirty="0" smtClean="0"/>
+              <a:rPr lang="en-US" altLang="ko-KR" sz="1400" dirty="0"/>
               <a:t>channel</a:t>
             </a:r>
             <a:endParaRPr lang="ko-KR" altLang="en-US" sz="1400" dirty="0"/>
@@ -4933,7 +4927,7 @@
           <a:lstStyle/>
           <a:p>
             <a:r>
-              <a:rPr lang="en-US" altLang="ko-KR" dirty="0" smtClean="0"/>
+              <a:rPr lang="en-US" altLang="ko-KR" dirty="0"/>
               <a:t>7</a:t>
             </a:r>
             <a:endParaRPr lang="ko-KR" altLang="en-US" dirty="0"/>
@@ -4999,7 +4993,7 @@
           <a:lstStyle/>
           <a:p>
             <a:r>
-              <a:rPr lang="en-US" altLang="ko-KR" sz="1200" dirty="0" smtClean="0"/>
+              <a:rPr lang="en-US" altLang="ko-KR" sz="1200" dirty="0"/>
               <a:t>0x200</a:t>
             </a:r>
             <a:endParaRPr lang="ko-KR" altLang="en-US" sz="1200" dirty="0"/>
@@ -5107,7 +5101,7 @@
           <a:p>
             <a:pPr algn="ctr"/>
             <a:r>
-              <a:rPr lang="en-US" altLang="ko-KR" dirty="0" smtClean="0">
+              <a:rPr lang="en-US" altLang="ko-KR" dirty="0">
                 <a:solidFill>
                   <a:schemeClr val="tx1"/>
                 </a:solidFill>
@@ -5172,7 +5166,7 @@
           <a:p>
             <a:pPr algn="ctr"/>
             <a:r>
-              <a:rPr lang="en-US" altLang="ko-KR" dirty="0" smtClean="0">
+              <a:rPr lang="en-US" altLang="ko-KR" dirty="0">
                 <a:solidFill>
                   <a:schemeClr val="tx1"/>
                 </a:solidFill>
@@ -5237,7 +5231,7 @@
           <a:p>
             <a:pPr algn="ctr"/>
             <a:r>
-              <a:rPr lang="en-US" altLang="ko-KR" dirty="0" smtClean="0">
+              <a:rPr lang="en-US" altLang="ko-KR" dirty="0">
                 <a:solidFill>
                   <a:schemeClr val="tx1"/>
                 </a:solidFill>
@@ -5275,7 +5269,7 @@
           <a:lstStyle/>
           <a:p>
             <a:r>
-              <a:rPr lang="en-US" altLang="ko-KR" sz="1400" dirty="0" smtClean="0"/>
+              <a:rPr lang="en-US" altLang="ko-KR" sz="1400" dirty="0"/>
               <a:t>color</a:t>
             </a:r>
             <a:endParaRPr lang="ko-KR" altLang="en-US" sz="1400" dirty="0"/>
@@ -5305,7 +5299,7 @@
           <a:lstStyle/>
           <a:p>
             <a:r>
-              <a:rPr lang="en-US" altLang="ko-KR" sz="1400" dirty="0" smtClean="0"/>
+              <a:rPr lang="en-US" altLang="ko-KR" sz="1400" dirty="0"/>
               <a:t>power</a:t>
             </a:r>
             <a:endParaRPr lang="ko-KR" altLang="en-US" sz="1400" dirty="0"/>
@@ -5335,7 +5329,7 @@
           <a:lstStyle/>
           <a:p>
             <a:r>
-              <a:rPr lang="en-US" altLang="ko-KR" sz="1400" dirty="0" smtClean="0"/>
+              <a:rPr lang="en-US" altLang="ko-KR" sz="1400" dirty="0"/>
               <a:t>channel</a:t>
             </a:r>
             <a:endParaRPr lang="ko-KR" altLang="en-US" sz="1400" dirty="0"/>
@@ -5427,7 +5421,7 @@
           <a:p>
             <a:pPr algn="ctr"/>
             <a:r>
-              <a:rPr lang="en-US" altLang="ko-KR" dirty="0" smtClean="0">
+              <a:rPr lang="en-US" altLang="ko-KR" dirty="0">
                 <a:solidFill>
                   <a:schemeClr val="tx1"/>
                 </a:solidFill>
@@ -5465,7 +5459,7 @@
           <a:lstStyle/>
           <a:p>
             <a:r>
-              <a:rPr lang="en-US" altLang="ko-KR" sz="2400" dirty="0" smtClean="0"/>
+              <a:rPr lang="en-US" altLang="ko-KR" sz="2400" dirty="0"/>
               <a:t>t2</a:t>
             </a:r>
             <a:endParaRPr lang="ko-KR" altLang="en-US" sz="2400" dirty="0"/>
@@ -5718,7 +5712,7 @@
           <a:lstStyle/>
           <a:p>
             <a:r>
-              <a:rPr lang="en-US" altLang="ko-KR" dirty="0" smtClean="0"/>
+              <a:rPr lang="en-US" altLang="ko-KR" dirty="0"/>
               <a:t>Stack</a:t>
             </a:r>
             <a:endParaRPr lang="ko-KR" altLang="en-US" dirty="0"/>
@@ -5789,7 +5783,7 @@
           <a:lstStyle/>
           <a:p>
             <a:r>
-              <a:rPr lang="en-US" altLang="ko-KR" dirty="0" smtClean="0"/>
+              <a:rPr lang="en-US" altLang="ko-KR" dirty="0"/>
               <a:t>Heap</a:t>
             </a:r>
             <a:endParaRPr lang="ko-KR" altLang="en-US" dirty="0"/>
@@ -5839,7 +5833,7 @@
           <a:p>
             <a:pPr algn="ctr"/>
             <a:r>
-              <a:rPr lang="en-US" altLang="ko-KR" dirty="0" smtClean="0">
+              <a:rPr lang="en-US" altLang="ko-KR" dirty="0">
                 <a:solidFill>
                   <a:schemeClr val="tx1"/>
                 </a:solidFill>
@@ -5921,14 +5915,13 @@
           <a:lstStyle/>
           <a:p>
             <a:r>
-              <a:rPr lang="en-US" altLang="ko-KR" dirty="0" smtClean="0"/>
+              <a:rPr lang="en-US" altLang="ko-KR" dirty="0"/>
               <a:t>TvTest3.java </a:t>
             </a:r>
             <a:r>
-              <a:rPr lang="ko-KR" altLang="en-US" dirty="0" smtClean="0"/>
+              <a:rPr lang="ko-KR" altLang="en-US" dirty="0"/>
               <a:t>예제</a:t>
             </a:r>
-            <a:endParaRPr lang="ko-KR" altLang="en-US" dirty="0"/>
           </a:p>
         </p:txBody>
       </p:sp>
@@ -5955,7 +5948,7 @@
           <a:lstStyle/>
           <a:p>
             <a:r>
-              <a:rPr lang="en-US" altLang="ko-KR" sz="2400" dirty="0" smtClean="0"/>
+              <a:rPr lang="en-US" altLang="ko-KR" sz="2400" dirty="0"/>
               <a:t>t1</a:t>
             </a:r>
             <a:endParaRPr lang="ko-KR" altLang="en-US" sz="2400" dirty="0"/>
@@ -6024,7 +6017,7 @@
           <a:lstStyle/>
           <a:p>
             <a:r>
-              <a:rPr lang="en-US" altLang="ko-KR" sz="1200" dirty="0" smtClean="0"/>
+              <a:rPr lang="en-US" altLang="ko-KR" sz="1200" dirty="0"/>
               <a:t>0x100</a:t>
             </a:r>
             <a:endParaRPr lang="ko-KR" altLang="en-US" sz="1200" dirty="0"/>
@@ -6132,7 +6125,7 @@
           <a:p>
             <a:pPr algn="ctr"/>
             <a:r>
-              <a:rPr lang="en-US" altLang="ko-KR" dirty="0" smtClean="0">
+              <a:rPr lang="en-US" altLang="ko-KR" dirty="0">
                 <a:solidFill>
                   <a:schemeClr val="tx1"/>
                 </a:solidFill>
@@ -6197,7 +6190,7 @@
           <a:p>
             <a:pPr algn="ctr"/>
             <a:r>
-              <a:rPr lang="en-US" altLang="ko-KR" dirty="0" smtClean="0">
+              <a:rPr lang="en-US" altLang="ko-KR" dirty="0">
                 <a:solidFill>
                   <a:schemeClr val="tx1"/>
                 </a:solidFill>
@@ -6262,7 +6255,7 @@
           <a:p>
             <a:pPr algn="ctr"/>
             <a:r>
-              <a:rPr lang="en-US" altLang="ko-KR" dirty="0" smtClean="0">
+              <a:rPr lang="en-US" altLang="ko-KR" dirty="0">
                 <a:solidFill>
                   <a:schemeClr val="tx1"/>
                 </a:solidFill>
@@ -6300,7 +6293,7 @@
           <a:lstStyle/>
           <a:p>
             <a:r>
-              <a:rPr lang="en-US" altLang="ko-KR" sz="1400" dirty="0" smtClean="0"/>
+              <a:rPr lang="en-US" altLang="ko-KR" sz="1400" dirty="0"/>
               <a:t>color</a:t>
             </a:r>
             <a:endParaRPr lang="ko-KR" altLang="en-US" sz="1400" dirty="0"/>
@@ -6330,7 +6323,7 @@
           <a:lstStyle/>
           <a:p>
             <a:r>
-              <a:rPr lang="en-US" altLang="ko-KR" sz="1400" dirty="0" smtClean="0"/>
+              <a:rPr lang="en-US" altLang="ko-KR" sz="1400" dirty="0"/>
               <a:t>power</a:t>
             </a:r>
             <a:endParaRPr lang="ko-KR" altLang="en-US" sz="1400" dirty="0"/>
@@ -6360,7 +6353,7 @@
           <a:lstStyle/>
           <a:p>
             <a:r>
-              <a:rPr lang="en-US" altLang="ko-KR" sz="1400" dirty="0" smtClean="0"/>
+              <a:rPr lang="en-US" altLang="ko-KR" sz="1400" dirty="0"/>
               <a:t>channel</a:t>
             </a:r>
             <a:endParaRPr lang="ko-KR" altLang="en-US" sz="1400" dirty="0"/>
@@ -6390,7 +6383,7 @@
           <a:lstStyle/>
           <a:p>
             <a:r>
-              <a:rPr lang="en-US" altLang="ko-KR" dirty="0" smtClean="0"/>
+              <a:rPr lang="en-US" altLang="ko-KR" dirty="0"/>
               <a:t>7</a:t>
             </a:r>
             <a:endParaRPr lang="ko-KR" altLang="en-US" dirty="0"/>
@@ -6456,7 +6449,7 @@
           <a:lstStyle/>
           <a:p>
             <a:r>
-              <a:rPr lang="en-US" altLang="ko-KR" sz="1200" dirty="0" smtClean="0"/>
+              <a:rPr lang="en-US" altLang="ko-KR" sz="1200" dirty="0"/>
               <a:t>0x200</a:t>
             </a:r>
             <a:endParaRPr lang="ko-KR" altLang="en-US" sz="1200" dirty="0"/>
@@ -6564,7 +6557,7 @@
           <a:p>
             <a:pPr algn="ctr"/>
             <a:r>
-              <a:rPr lang="en-US" altLang="ko-KR" dirty="0" smtClean="0">
+              <a:rPr lang="en-US" altLang="ko-KR" dirty="0">
                 <a:solidFill>
                   <a:schemeClr val="tx1"/>
                 </a:solidFill>
@@ -6629,7 +6622,7 @@
           <a:p>
             <a:pPr algn="ctr"/>
             <a:r>
-              <a:rPr lang="en-US" altLang="ko-KR" dirty="0" smtClean="0">
+              <a:rPr lang="en-US" altLang="ko-KR" dirty="0">
                 <a:solidFill>
                   <a:schemeClr val="tx1"/>
                 </a:solidFill>
@@ -6694,7 +6687,7 @@
           <a:p>
             <a:pPr algn="ctr"/>
             <a:r>
-              <a:rPr lang="en-US" altLang="ko-KR" dirty="0" smtClean="0">
+              <a:rPr lang="en-US" altLang="ko-KR" dirty="0">
                 <a:solidFill>
                   <a:schemeClr val="tx1"/>
                 </a:solidFill>
@@ -6732,7 +6725,7 @@
           <a:lstStyle/>
           <a:p>
             <a:r>
-              <a:rPr lang="en-US" altLang="ko-KR" sz="1400" dirty="0" smtClean="0"/>
+              <a:rPr lang="en-US" altLang="ko-KR" sz="1400" dirty="0"/>
               <a:t>color</a:t>
             </a:r>
             <a:endParaRPr lang="ko-KR" altLang="en-US" sz="1400" dirty="0"/>
@@ -6762,7 +6755,7 @@
           <a:lstStyle/>
           <a:p>
             <a:r>
-              <a:rPr lang="en-US" altLang="ko-KR" sz="1400" dirty="0" smtClean="0"/>
+              <a:rPr lang="en-US" altLang="ko-KR" sz="1400" dirty="0"/>
               <a:t>power</a:t>
             </a:r>
             <a:endParaRPr lang="ko-KR" altLang="en-US" sz="1400" dirty="0"/>
@@ -6792,7 +6785,7 @@
           <a:lstStyle/>
           <a:p>
             <a:r>
-              <a:rPr lang="en-US" altLang="ko-KR" sz="1400" dirty="0" smtClean="0"/>
+              <a:rPr lang="en-US" altLang="ko-KR" sz="1400" dirty="0"/>
               <a:t>channel</a:t>
             </a:r>
             <a:endParaRPr lang="ko-KR" altLang="en-US" sz="1400" dirty="0"/>
@@ -6886,7 +6879,7 @@
           <a:p>
             <a:pPr algn="ctr"/>
             <a:r>
-              <a:rPr lang="en-US" altLang="ko-KR" sz="1600" dirty="0" smtClean="0">
+              <a:rPr lang="en-US" altLang="ko-KR" sz="1600" dirty="0">
                 <a:solidFill>
                   <a:schemeClr val="tx1"/>
                 </a:solidFill>
@@ -6894,7 +6887,7 @@
               <a:t>0x</a:t>
             </a:r>
             <a:r>
-              <a:rPr lang="en-US" altLang="ko-KR" sz="1600" strike="sngStrike" dirty="0" smtClean="0">
+              <a:rPr lang="en-US" altLang="ko-KR" sz="1600" strike="sngStrike" dirty="0">
                 <a:solidFill>
                   <a:schemeClr val="bg1">
                     <a:lumMod val="65000"/>
@@ -6904,7 +6897,7 @@
               <a:t>100</a:t>
             </a:r>
             <a:r>
-              <a:rPr lang="en-US" altLang="ko-KR" sz="1600" dirty="0" smtClean="0">
+              <a:rPr lang="en-US" altLang="ko-KR" sz="1600" dirty="0">
                 <a:solidFill>
                   <a:schemeClr val="tx1"/>
                 </a:solidFill>
@@ -6942,7 +6935,7 @@
           <a:lstStyle/>
           <a:p>
             <a:r>
-              <a:rPr lang="en-US" altLang="ko-KR" sz="2400" dirty="0" smtClean="0"/>
+              <a:rPr lang="en-US" altLang="ko-KR" sz="2400" dirty="0"/>
               <a:t>t2</a:t>
             </a:r>
             <a:endParaRPr lang="ko-KR" altLang="en-US" sz="2400" dirty="0"/>
@@ -7238,7 +7231,7 @@
           <a:lstStyle/>
           <a:p>
             <a:r>
-              <a:rPr lang="en-US" altLang="ko-KR" dirty="0" smtClean="0"/>
+              <a:rPr lang="en-US" altLang="ko-KR" dirty="0"/>
               <a:t>Stack</a:t>
             </a:r>
             <a:endParaRPr lang="ko-KR" altLang="en-US" dirty="0"/>
@@ -7309,7 +7302,7 @@
           <a:lstStyle/>
           <a:p>
             <a:r>
-              <a:rPr lang="en-US" altLang="ko-KR" dirty="0" smtClean="0"/>
+              <a:rPr lang="en-US" altLang="ko-KR" dirty="0"/>
               <a:t>Heap</a:t>
             </a:r>
             <a:endParaRPr lang="ko-KR" altLang="en-US" dirty="0"/>
@@ -7359,7 +7352,7 @@
           <a:p>
             <a:pPr algn="ctr"/>
             <a:r>
-              <a:rPr lang="en-US" altLang="ko-KR" dirty="0" smtClean="0">
+              <a:rPr lang="en-US" altLang="ko-KR" dirty="0">
                 <a:solidFill>
                   <a:schemeClr val="tx1"/>
                 </a:solidFill>
@@ -7442,14 +7435,13 @@
           <a:lstStyle/>
           <a:p>
             <a:r>
-              <a:rPr lang="en-US" altLang="ko-KR" dirty="0" smtClean="0"/>
+              <a:rPr lang="en-US" altLang="ko-KR" dirty="0"/>
               <a:t>TvTest4.java </a:t>
             </a:r>
             <a:r>
-              <a:rPr lang="ko-KR" altLang="en-US" dirty="0" smtClean="0"/>
+              <a:rPr lang="ko-KR" altLang="en-US" dirty="0"/>
               <a:t>예제</a:t>
             </a:r>
-            <a:endParaRPr lang="ko-KR" altLang="en-US" dirty="0"/>
           </a:p>
         </p:txBody>
       </p:sp>
@@ -7476,7 +7468,7 @@
           <a:lstStyle/>
           <a:p>
             <a:r>
-              <a:rPr lang="en-US" altLang="ko-KR" sz="2400" dirty="0" err="1" smtClean="0"/>
+              <a:rPr lang="en-US" altLang="ko-KR" sz="2400" dirty="0" err="1"/>
               <a:t>tvArr</a:t>
             </a:r>
             <a:endParaRPr lang="ko-KR" altLang="en-US" sz="2400" dirty="0"/>
@@ -7545,7 +7537,7 @@
           <a:lstStyle/>
           <a:p>
             <a:r>
-              <a:rPr lang="en-US" altLang="ko-KR" sz="1200" dirty="0" smtClean="0"/>
+              <a:rPr lang="en-US" altLang="ko-KR" sz="1200" dirty="0"/>
               <a:t>0x400</a:t>
             </a:r>
             <a:endParaRPr lang="ko-KR" altLang="en-US" sz="1200" dirty="0"/>
@@ -7653,7 +7645,7 @@
           <a:p>
             <a:pPr algn="ctr"/>
             <a:r>
-              <a:rPr lang="en-US" altLang="ko-KR" dirty="0" smtClean="0">
+              <a:rPr lang="en-US" altLang="ko-KR" dirty="0">
                 <a:solidFill>
                   <a:schemeClr val="tx1"/>
                 </a:solidFill>
@@ -7718,7 +7710,7 @@
           <a:p>
             <a:pPr algn="ctr"/>
             <a:r>
-              <a:rPr lang="en-US" altLang="ko-KR" dirty="0" smtClean="0">
+              <a:rPr lang="en-US" altLang="ko-KR" dirty="0">
                 <a:solidFill>
                   <a:schemeClr val="tx1"/>
                 </a:solidFill>
@@ -7783,7 +7775,7 @@
           <a:p>
             <a:pPr algn="ctr"/>
             <a:r>
-              <a:rPr lang="en-US" altLang="ko-KR" strike="sngStrike" dirty="0" smtClean="0">
+              <a:rPr lang="en-US" altLang="ko-KR" strike="sngStrike" dirty="0">
                 <a:solidFill>
                   <a:schemeClr val="bg1">
                     <a:lumMod val="65000"/>
@@ -7825,7 +7817,7 @@
           <a:lstStyle/>
           <a:p>
             <a:r>
-              <a:rPr lang="en-US" altLang="ko-KR" sz="1400" dirty="0" smtClean="0"/>
+              <a:rPr lang="en-US" altLang="ko-KR" sz="1400" dirty="0"/>
               <a:t>color</a:t>
             </a:r>
             <a:endParaRPr lang="ko-KR" altLang="en-US" sz="1400" dirty="0"/>
@@ -7855,7 +7847,7 @@
           <a:lstStyle/>
           <a:p>
             <a:r>
-              <a:rPr lang="en-US" altLang="ko-KR" sz="1400" dirty="0" smtClean="0"/>
+              <a:rPr lang="en-US" altLang="ko-KR" sz="1400" dirty="0"/>
               <a:t>power</a:t>
             </a:r>
             <a:endParaRPr lang="ko-KR" altLang="en-US" sz="1400" dirty="0"/>
@@ -7885,7 +7877,7 @@
           <a:lstStyle/>
           <a:p>
             <a:r>
-              <a:rPr lang="en-US" altLang="ko-KR" sz="1400" dirty="0" smtClean="0"/>
+              <a:rPr lang="en-US" altLang="ko-KR" sz="1400" dirty="0"/>
               <a:t>channel</a:t>
             </a:r>
             <a:endParaRPr lang="ko-KR" altLang="en-US" sz="1400" dirty="0"/>
@@ -7915,7 +7907,7 @@
           <a:lstStyle/>
           <a:p>
             <a:r>
-              <a:rPr lang="en-US" altLang="ko-KR" sz="1200" dirty="0" smtClean="0"/>
+              <a:rPr lang="en-US" altLang="ko-KR" sz="1200" dirty="0"/>
               <a:t>0x300</a:t>
             </a:r>
             <a:endParaRPr lang="ko-KR" altLang="en-US" sz="1200" dirty="0"/>
@@ -8023,7 +8015,7 @@
           <a:p>
             <a:pPr algn="ctr"/>
             <a:r>
-              <a:rPr lang="en-US" altLang="ko-KR" dirty="0" smtClean="0">
+              <a:rPr lang="en-US" altLang="ko-KR" dirty="0">
                 <a:solidFill>
                   <a:schemeClr val="tx1"/>
                 </a:solidFill>
@@ -8088,7 +8080,7 @@
           <a:p>
             <a:pPr algn="ctr"/>
             <a:r>
-              <a:rPr lang="en-US" altLang="ko-KR" dirty="0" smtClean="0">
+              <a:rPr lang="en-US" altLang="ko-KR" dirty="0">
                 <a:solidFill>
                   <a:schemeClr val="tx1"/>
                 </a:solidFill>
@@ -8153,7 +8145,7 @@
           <a:p>
             <a:pPr algn="ctr"/>
             <a:r>
-              <a:rPr lang="en-US" altLang="ko-KR" strike="sngStrike" dirty="0" smtClean="0">
+              <a:rPr lang="en-US" altLang="ko-KR" strike="sngStrike" dirty="0">
                 <a:solidFill>
                   <a:schemeClr val="bg1">
                     <a:lumMod val="65000"/>
@@ -8195,7 +8187,7 @@
           <a:lstStyle/>
           <a:p>
             <a:r>
-              <a:rPr lang="en-US" altLang="ko-KR" sz="1400" dirty="0" smtClean="0"/>
+              <a:rPr lang="en-US" altLang="ko-KR" sz="1400" dirty="0"/>
               <a:t>color</a:t>
             </a:r>
             <a:endParaRPr lang="ko-KR" altLang="en-US" sz="1400" dirty="0"/>
@@ -8225,7 +8217,7 @@
           <a:lstStyle/>
           <a:p>
             <a:r>
-              <a:rPr lang="en-US" altLang="ko-KR" sz="1400" dirty="0" smtClean="0"/>
+              <a:rPr lang="en-US" altLang="ko-KR" sz="1400" dirty="0"/>
               <a:t>power</a:t>
             </a:r>
             <a:endParaRPr lang="ko-KR" altLang="en-US" sz="1400" dirty="0"/>
@@ -8255,7 +8247,7 @@
           <a:lstStyle/>
           <a:p>
             <a:r>
-              <a:rPr lang="en-US" altLang="ko-KR" sz="1400" dirty="0" smtClean="0"/>
+              <a:rPr lang="en-US" altLang="ko-KR" sz="1400" dirty="0"/>
               <a:t>channel</a:t>
             </a:r>
             <a:endParaRPr lang="ko-KR" altLang="en-US" sz="1400" dirty="0"/>
@@ -8285,7 +8277,7 @@
           <a:lstStyle/>
           <a:p>
             <a:r>
-              <a:rPr lang="en-US" altLang="ko-KR" sz="1200" dirty="0" smtClean="0"/>
+              <a:rPr lang="en-US" altLang="ko-KR" sz="1200" dirty="0"/>
               <a:t>0x200</a:t>
             </a:r>
             <a:endParaRPr lang="ko-KR" altLang="en-US" sz="1200" dirty="0"/>
@@ -8393,7 +8385,7 @@
           <a:p>
             <a:pPr algn="ctr"/>
             <a:r>
-              <a:rPr lang="en-US" altLang="ko-KR" dirty="0" smtClean="0">
+              <a:rPr lang="en-US" altLang="ko-KR" dirty="0">
                 <a:solidFill>
                   <a:schemeClr val="tx1"/>
                 </a:solidFill>
@@ -8458,7 +8450,7 @@
           <a:p>
             <a:pPr algn="ctr"/>
             <a:r>
-              <a:rPr lang="en-US" altLang="ko-KR" dirty="0" smtClean="0">
+              <a:rPr lang="en-US" altLang="ko-KR" dirty="0">
                 <a:solidFill>
                   <a:schemeClr val="tx1"/>
                 </a:solidFill>
@@ -8523,7 +8515,7 @@
           <a:p>
             <a:pPr algn="ctr"/>
             <a:r>
-              <a:rPr lang="en-US" altLang="ko-KR" strike="sngStrike" dirty="0" smtClean="0">
+              <a:rPr lang="en-US" altLang="ko-KR" strike="sngStrike" dirty="0">
                 <a:solidFill>
                   <a:schemeClr val="bg1">
                     <a:lumMod val="65000"/>
@@ -8565,7 +8557,7 @@
           <a:lstStyle/>
           <a:p>
             <a:r>
-              <a:rPr lang="en-US" altLang="ko-KR" sz="1400" dirty="0" smtClean="0"/>
+              <a:rPr lang="en-US" altLang="ko-KR" sz="1400" dirty="0"/>
               <a:t>color</a:t>
             </a:r>
             <a:endParaRPr lang="ko-KR" altLang="en-US" sz="1400" dirty="0"/>
@@ -8595,7 +8587,7 @@
           <a:lstStyle/>
           <a:p>
             <a:r>
-              <a:rPr lang="en-US" altLang="ko-KR" sz="1400" dirty="0" smtClean="0"/>
+              <a:rPr lang="en-US" altLang="ko-KR" sz="1400" dirty="0"/>
               <a:t>power</a:t>
             </a:r>
             <a:endParaRPr lang="ko-KR" altLang="en-US" sz="1400" dirty="0"/>
@@ -8625,7 +8617,7 @@
           <a:lstStyle/>
           <a:p>
             <a:r>
-              <a:rPr lang="en-US" altLang="ko-KR" sz="1400" dirty="0" smtClean="0"/>
+              <a:rPr lang="en-US" altLang="ko-KR" sz="1400" dirty="0"/>
               <a:t>channel</a:t>
             </a:r>
             <a:endParaRPr lang="ko-KR" altLang="en-US" sz="1400" dirty="0"/>
@@ -8681,7 +8673,7 @@
           <a:lstStyle/>
           <a:p>
             <a:r>
-              <a:rPr lang="en-US" altLang="ko-KR" sz="1400" strike="sngStrike" dirty="0" smtClean="0">
+              <a:rPr lang="en-US" altLang="ko-KR" sz="1400" strike="sngStrike" dirty="0">
                 <a:solidFill>
                   <a:schemeClr val="bg1">
                     <a:lumMod val="65000"/>
@@ -8749,7 +8741,7 @@
           <a:lstStyle/>
           <a:p>
             <a:r>
-              <a:rPr lang="en-US" altLang="ko-KR" sz="1400" strike="sngStrike" dirty="0" smtClean="0">
+              <a:rPr lang="en-US" altLang="ko-KR" sz="1400" strike="sngStrike" dirty="0">
                 <a:solidFill>
                   <a:schemeClr val="bg1">
                     <a:lumMod val="65000"/>
@@ -8817,7 +8809,7 @@
           <a:lstStyle/>
           <a:p>
             <a:r>
-              <a:rPr lang="en-US" altLang="ko-KR" sz="1400" strike="sngStrike" dirty="0" smtClean="0">
+              <a:rPr lang="en-US" altLang="ko-KR" sz="1400" strike="sngStrike" dirty="0">
                 <a:solidFill>
                   <a:schemeClr val="bg1">
                     <a:lumMod val="65000"/>
@@ -8859,7 +8851,7 @@
           <a:lstStyle/>
           <a:p>
             <a:r>
-              <a:rPr lang="en-US" altLang="ko-KR" sz="1600" dirty="0" smtClean="0"/>
+              <a:rPr lang="en-US" altLang="ko-KR" sz="1600" dirty="0"/>
               <a:t>[0]</a:t>
             </a:r>
             <a:endParaRPr lang="ko-KR" altLang="en-US" sz="1600" dirty="0"/>
@@ -8889,7 +8881,7 @@
           <a:lstStyle/>
           <a:p>
             <a:r>
-              <a:rPr lang="en-US" altLang="ko-KR" sz="1600" dirty="0" smtClean="0"/>
+              <a:rPr lang="en-US" altLang="ko-KR" sz="1600" dirty="0"/>
               <a:t>[1]</a:t>
             </a:r>
             <a:endParaRPr lang="ko-KR" altLang="en-US" sz="1600" dirty="0"/>
@@ -8919,7 +8911,7 @@
           <a:lstStyle/>
           <a:p>
             <a:r>
-              <a:rPr lang="en-US" altLang="ko-KR" sz="1600" dirty="0" smtClean="0"/>
+              <a:rPr lang="en-US" altLang="ko-KR" sz="1600" dirty="0"/>
               <a:t>[2]</a:t>
             </a:r>
             <a:endParaRPr lang="ko-KR" altLang="en-US" sz="1600" dirty="0"/>
@@ -8985,7 +8977,7 @@
           <a:lstStyle/>
           <a:p>
             <a:r>
-              <a:rPr lang="en-US" altLang="ko-KR" sz="1200" b="1" dirty="0" smtClean="0"/>
+              <a:rPr lang="en-US" altLang="ko-KR" sz="1200" b="1" dirty="0"/>
               <a:t>0x200</a:t>
             </a:r>
             <a:endParaRPr lang="ko-KR" altLang="en-US" sz="1200" b="1" dirty="0"/>
@@ -9177,7 +9169,7 @@
           <a:lstStyle/>
           <a:p>
             <a:r>
-              <a:rPr lang="en-US" altLang="ko-KR" sz="1200" b="1" dirty="0" smtClean="0"/>
+              <a:rPr lang="en-US" altLang="ko-KR" sz="1200" b="1" dirty="0"/>
               <a:t>0x300</a:t>
             </a:r>
             <a:endParaRPr lang="ko-KR" altLang="en-US" sz="1200" b="1" dirty="0"/>
@@ -9243,7 +9235,7 @@
           <a:lstStyle/>
           <a:p>
             <a:r>
-              <a:rPr lang="en-US" altLang="ko-KR" sz="1200" b="1" dirty="0" smtClean="0"/>
+              <a:rPr lang="en-US" altLang="ko-KR" sz="1200" b="1" dirty="0"/>
               <a:t>0x400</a:t>
             </a:r>
             <a:endParaRPr lang="ko-KR" altLang="en-US" sz="1200" b="1" dirty="0"/>
@@ -9273,7 +9265,7 @@
           <a:lstStyle/>
           <a:p>
             <a:r>
-              <a:rPr lang="en-US" altLang="ko-KR" dirty="0" smtClean="0">
+              <a:rPr lang="en-US" altLang="ko-KR" dirty="0">
                 <a:solidFill>
                   <a:schemeClr val="bg1">
                     <a:lumMod val="65000"/>
@@ -9351,7 +9343,7 @@
           <a:lstStyle/>
           <a:p>
             <a:r>
-              <a:rPr lang="en-US" altLang="ko-KR" strike="sngStrike" dirty="0" smtClean="0">
+              <a:rPr lang="en-US" altLang="ko-KR" strike="sngStrike" dirty="0">
                 <a:solidFill>
                   <a:schemeClr val="bg1">
                     <a:lumMod val="65000"/>
@@ -9429,7 +9421,7 @@
           <a:lstStyle/>
           <a:p>
             <a:r>
-              <a:rPr lang="en-US" altLang="ko-KR" strike="sngStrike" dirty="0" smtClean="0">
+              <a:rPr lang="en-US" altLang="ko-KR" strike="sngStrike" dirty="0">
                 <a:solidFill>
                   <a:schemeClr val="bg1">
                     <a:lumMod val="65000"/>
@@ -9563,7 +9555,7 @@
           <a:lstStyle/>
           <a:p>
             <a:r>
-              <a:rPr lang="en-US" altLang="ko-KR" sz="2400" strike="sngStrike" dirty="0" smtClean="0">
+              <a:rPr lang="en-US" altLang="ko-KR" sz="2400" strike="sngStrike" dirty="0">
                 <a:solidFill>
                   <a:schemeClr val="bg1">
                     <a:lumMod val="65000"/>
@@ -9680,7 +9672,7 @@
           <a:lstStyle/>
           <a:p>
             <a:r>
-              <a:rPr lang="en-US" altLang="ko-KR" sz="1200" b="1" strike="sngStrike" dirty="0" smtClean="0">
+              <a:rPr lang="en-US" altLang="ko-KR" sz="1200" b="1" strike="sngStrike" dirty="0">
                 <a:solidFill>
                   <a:schemeClr val="bg1">
                     <a:lumMod val="65000"/>
@@ -9722,7 +9714,7 @@
           <a:lstStyle/>
           <a:p>
             <a:r>
-              <a:rPr lang="en-US" altLang="ko-KR" sz="1200" b="1" strike="sngStrike" dirty="0" smtClean="0">
+              <a:rPr lang="en-US" altLang="ko-KR" sz="1200" b="1" strike="sngStrike" dirty="0">
                 <a:solidFill>
                   <a:schemeClr val="bg1">
                     <a:lumMod val="65000"/>
@@ -9764,7 +9756,7 @@
           <a:lstStyle/>
           <a:p>
             <a:r>
-              <a:rPr lang="en-US" altLang="ko-KR" sz="1200" b="1" strike="sngStrike" dirty="0" smtClean="0">
+              <a:rPr lang="en-US" altLang="ko-KR" sz="1200" b="1" strike="sngStrike" dirty="0">
                 <a:solidFill>
                   <a:schemeClr val="bg1">
                     <a:lumMod val="65000"/>
@@ -9878,7 +9870,7 @@
           <a:lstStyle/>
           <a:p>
             <a:r>
-              <a:rPr lang="en-US" altLang="ko-KR" dirty="0" smtClean="0"/>
+              <a:rPr lang="en-US" altLang="ko-KR" dirty="0"/>
               <a:t>11</a:t>
             </a:r>
             <a:endParaRPr lang="ko-KR" altLang="en-US" dirty="0"/>
@@ -9944,7 +9936,7 @@
           <a:lstStyle/>
           <a:p>
             <a:r>
-              <a:rPr lang="en-US" altLang="ko-KR" dirty="0" smtClean="0"/>
+              <a:rPr lang="en-US" altLang="ko-KR" dirty="0"/>
               <a:t>12</a:t>
             </a:r>
             <a:endParaRPr lang="ko-KR" altLang="en-US" dirty="0"/>
@@ -10010,7 +10002,7 @@
           <a:lstStyle/>
           <a:p>
             <a:r>
-              <a:rPr lang="en-US" altLang="ko-KR" dirty="0" smtClean="0"/>
+              <a:rPr lang="en-US" altLang="ko-KR" dirty="0"/>
               <a:t>13</a:t>
             </a:r>
             <a:endParaRPr lang="ko-KR" altLang="en-US" dirty="0"/>
@@ -10021,6 +10013,2375 @@
     <p:extLst>
       <p:ext uri="{BB962C8B-B14F-4D97-AF65-F5344CB8AC3E}">
         <p14:creationId xmlns:p14="http://schemas.microsoft.com/office/powerpoint/2010/main" val="3328320729"/>
+      </p:ext>
+    </p:extLst>
+  </p:cSld>
+  <p:clrMapOvr>
+    <a:masterClrMapping/>
+  </p:clrMapOvr>
+</p:sld>
+</file>
+
+<file path=ppt/slides/slide5.xml><?xml version="1.0" encoding="utf-8"?>
+<p:sld xmlns:a="http://schemas.openxmlformats.org/drawingml/2006/main" xmlns:r="http://schemas.openxmlformats.org/officeDocument/2006/relationships" xmlns:p="http://schemas.openxmlformats.org/presentationml/2006/main">
+  <p:cSld>
+    <p:spTree>
+      <p:nvGrpSpPr>
+        <p:cNvPr id="1" name=""/>
+        <p:cNvGrpSpPr/>
+        <p:nvPr/>
+      </p:nvGrpSpPr>
+      <p:grpSpPr>
+        <a:xfrm>
+          <a:off x="0" y="0"/>
+          <a:ext cx="0" cy="0"/>
+          <a:chOff x="0" y="0"/>
+          <a:chExt cx="0" cy="0"/>
+        </a:xfrm>
+      </p:grpSpPr>
+      <p:sp>
+        <p:nvSpPr>
+          <p:cNvPr id="29" name="직사각형 28"/>
+          <p:cNvSpPr/>
+          <p:nvPr/>
+        </p:nvSpPr>
+        <p:spPr>
+          <a:xfrm>
+            <a:off x="734148" y="1052736"/>
+            <a:ext cx="8136904" cy="4495854"/>
+          </a:xfrm>
+          <a:prstGeom prst="rect">
+            <a:avLst/>
+          </a:prstGeom>
+          <a:noFill/>
+          <a:ln w="12700">
+            <a:solidFill>
+              <a:schemeClr val="tx1"/>
+            </a:solidFill>
+          </a:ln>
+        </p:spPr>
+        <p:style>
+          <a:lnRef idx="2">
+            <a:schemeClr val="accent1">
+              <a:shade val="50000"/>
+            </a:schemeClr>
+          </a:lnRef>
+          <a:fillRef idx="1">
+            <a:schemeClr val="accent1"/>
+          </a:fillRef>
+          <a:effectRef idx="0">
+            <a:schemeClr val="accent1"/>
+          </a:effectRef>
+          <a:fontRef idx="minor">
+            <a:schemeClr val="lt1"/>
+          </a:fontRef>
+        </p:style>
+        <p:txBody>
+          <a:bodyPr rtlCol="0" anchor="ctr"/>
+          <a:lstStyle/>
+          <a:p>
+            <a:pPr algn="ctr"/>
+            <a:endParaRPr lang="ko-KR" altLang="en-US"/>
+          </a:p>
+        </p:txBody>
+      </p:sp>
+      <p:grpSp>
+        <p:nvGrpSpPr>
+          <p:cNvPr id="30" name="그룹 29"/>
+          <p:cNvGrpSpPr/>
+          <p:nvPr/>
+        </p:nvGrpSpPr>
+        <p:grpSpPr>
+          <a:xfrm>
+            <a:off x="1331640" y="1916832"/>
+            <a:ext cx="1224136" cy="2520280"/>
+            <a:chOff x="2627784" y="2204864"/>
+            <a:chExt cx="2088232" cy="2520280"/>
+          </a:xfrm>
+        </p:grpSpPr>
+        <p:cxnSp>
+          <p:nvCxnSpPr>
+            <p:cNvPr id="31" name="직선 연결선 30"/>
+            <p:cNvCxnSpPr/>
+            <p:nvPr/>
+          </p:nvCxnSpPr>
+          <p:spPr>
+            <a:xfrm>
+              <a:off x="2627784" y="2204864"/>
+              <a:ext cx="0" cy="2520280"/>
+            </a:xfrm>
+            <a:prstGeom prst="line">
+              <a:avLst/>
+            </a:prstGeom>
+            <a:ln w="38100"/>
+          </p:spPr>
+          <p:style>
+            <a:lnRef idx="1">
+              <a:schemeClr val="accent1"/>
+            </a:lnRef>
+            <a:fillRef idx="0">
+              <a:schemeClr val="accent1"/>
+            </a:fillRef>
+            <a:effectRef idx="0">
+              <a:schemeClr val="accent1"/>
+            </a:effectRef>
+            <a:fontRef idx="minor">
+              <a:schemeClr val="tx1"/>
+            </a:fontRef>
+          </p:style>
+        </p:cxnSp>
+        <p:cxnSp>
+          <p:nvCxnSpPr>
+            <p:cNvPr id="32" name="직선 연결선 31"/>
+            <p:cNvCxnSpPr/>
+            <p:nvPr/>
+          </p:nvCxnSpPr>
+          <p:spPr>
+            <a:xfrm>
+              <a:off x="4716016" y="2204864"/>
+              <a:ext cx="0" cy="2520280"/>
+            </a:xfrm>
+            <a:prstGeom prst="line">
+              <a:avLst/>
+            </a:prstGeom>
+            <a:ln w="38100"/>
+          </p:spPr>
+          <p:style>
+            <a:lnRef idx="1">
+              <a:schemeClr val="accent1"/>
+            </a:lnRef>
+            <a:fillRef idx="0">
+              <a:schemeClr val="accent1"/>
+            </a:fillRef>
+            <a:effectRef idx="0">
+              <a:schemeClr val="accent1"/>
+            </a:effectRef>
+            <a:fontRef idx="minor">
+              <a:schemeClr val="tx1"/>
+            </a:fontRef>
+          </p:style>
+        </p:cxnSp>
+        <p:cxnSp>
+          <p:nvCxnSpPr>
+            <p:cNvPr id="33" name="직선 연결선 32"/>
+            <p:cNvCxnSpPr/>
+            <p:nvPr/>
+          </p:nvCxnSpPr>
+          <p:spPr>
+            <a:xfrm>
+              <a:off x="2627784" y="4725144"/>
+              <a:ext cx="2088232" cy="0"/>
+            </a:xfrm>
+            <a:prstGeom prst="line">
+              <a:avLst/>
+            </a:prstGeom>
+            <a:ln w="38100"/>
+          </p:spPr>
+          <p:style>
+            <a:lnRef idx="1">
+              <a:schemeClr val="accent1"/>
+            </a:lnRef>
+            <a:fillRef idx="0">
+              <a:schemeClr val="accent1"/>
+            </a:fillRef>
+            <a:effectRef idx="0">
+              <a:schemeClr val="accent1"/>
+            </a:effectRef>
+            <a:fontRef idx="minor">
+              <a:schemeClr val="tx1"/>
+            </a:fontRef>
+          </p:style>
+        </p:cxnSp>
+      </p:grpSp>
+      <p:sp>
+        <p:nvSpPr>
+          <p:cNvPr id="34" name="TextBox 33"/>
+          <p:cNvSpPr txBox="1"/>
+          <p:nvPr/>
+        </p:nvSpPr>
+        <p:spPr>
+          <a:xfrm>
+            <a:off x="1547664" y="4653136"/>
+            <a:ext cx="728084" cy="369332"/>
+          </a:xfrm>
+          <a:prstGeom prst="rect">
+            <a:avLst/>
+          </a:prstGeom>
+          <a:noFill/>
+        </p:spPr>
+        <p:txBody>
+          <a:bodyPr wrap="none" rtlCol="0">
+            <a:spAutoFit/>
+          </a:bodyPr>
+          <a:lstStyle/>
+          <a:p>
+            <a:r>
+              <a:rPr lang="en-US" altLang="ko-KR" dirty="0"/>
+              <a:t>Stack</a:t>
+            </a:r>
+            <a:endParaRPr lang="ko-KR" altLang="en-US" dirty="0"/>
+          </a:p>
+        </p:txBody>
+      </p:sp>
+      <p:sp>
+        <p:nvSpPr>
+          <p:cNvPr id="35" name="직사각형 34"/>
+          <p:cNvSpPr/>
+          <p:nvPr/>
+        </p:nvSpPr>
+        <p:spPr>
+          <a:xfrm>
+            <a:off x="2676050" y="1340768"/>
+            <a:ext cx="6000406" cy="3960440"/>
+          </a:xfrm>
+          <a:prstGeom prst="rect">
+            <a:avLst/>
+          </a:prstGeom>
+          <a:noFill/>
+        </p:spPr>
+        <p:style>
+          <a:lnRef idx="2">
+            <a:schemeClr val="accent1">
+              <a:shade val="50000"/>
+            </a:schemeClr>
+          </a:lnRef>
+          <a:fillRef idx="1">
+            <a:schemeClr val="accent1"/>
+          </a:fillRef>
+          <a:effectRef idx="0">
+            <a:schemeClr val="accent1"/>
+          </a:effectRef>
+          <a:fontRef idx="minor">
+            <a:schemeClr val="lt1"/>
+          </a:fontRef>
+        </p:style>
+        <p:txBody>
+          <a:bodyPr rtlCol="0" anchor="ctr"/>
+          <a:lstStyle/>
+          <a:p>
+            <a:pPr algn="ctr"/>
+            <a:endParaRPr lang="ko-KR" altLang="en-US"/>
+          </a:p>
+        </p:txBody>
+      </p:sp>
+      <p:sp>
+        <p:nvSpPr>
+          <p:cNvPr id="36" name="TextBox 35"/>
+          <p:cNvSpPr txBox="1"/>
+          <p:nvPr/>
+        </p:nvSpPr>
+        <p:spPr>
+          <a:xfrm>
+            <a:off x="8015571" y="1268760"/>
+            <a:ext cx="732893" cy="369332"/>
+          </a:xfrm>
+          <a:prstGeom prst="rect">
+            <a:avLst/>
+          </a:prstGeom>
+          <a:noFill/>
+        </p:spPr>
+        <p:txBody>
+          <a:bodyPr wrap="none" rtlCol="0">
+            <a:spAutoFit/>
+          </a:bodyPr>
+          <a:lstStyle/>
+          <a:p>
+            <a:r>
+              <a:rPr lang="en-US" altLang="ko-KR" dirty="0"/>
+              <a:t>Heap</a:t>
+            </a:r>
+            <a:endParaRPr lang="ko-KR" altLang="en-US" dirty="0"/>
+          </a:p>
+        </p:txBody>
+      </p:sp>
+      <p:sp>
+        <p:nvSpPr>
+          <p:cNvPr id="37" name="직사각형 36"/>
+          <p:cNvSpPr/>
+          <p:nvPr/>
+        </p:nvSpPr>
+        <p:spPr>
+          <a:xfrm>
+            <a:off x="1403648" y="4042809"/>
+            <a:ext cx="1080120" cy="322295"/>
+          </a:xfrm>
+          <a:prstGeom prst="rect">
+            <a:avLst/>
+          </a:prstGeom>
+          <a:solidFill>
+            <a:schemeClr val="tx2">
+              <a:lumMod val="20000"/>
+              <a:lumOff val="80000"/>
+            </a:schemeClr>
+          </a:solidFill>
+        </p:spPr>
+        <p:style>
+          <a:lnRef idx="2">
+            <a:schemeClr val="accent1">
+              <a:shade val="50000"/>
+            </a:schemeClr>
+          </a:lnRef>
+          <a:fillRef idx="1">
+            <a:schemeClr val="accent1"/>
+          </a:fillRef>
+          <a:effectRef idx="0">
+            <a:schemeClr val="accent1"/>
+          </a:effectRef>
+          <a:fontRef idx="minor">
+            <a:schemeClr val="lt1"/>
+          </a:fontRef>
+        </p:style>
+        <p:txBody>
+          <a:bodyPr rtlCol="0" anchor="ctr"/>
+          <a:lstStyle/>
+          <a:p>
+            <a:pPr algn="ctr"/>
+            <a:r>
+              <a:rPr lang="en-US" altLang="ko-KR" dirty="0">
+                <a:solidFill>
+                  <a:schemeClr val="tx1"/>
+                </a:solidFill>
+              </a:rPr>
+              <a:t>0x100</a:t>
+            </a:r>
+            <a:endParaRPr lang="ko-KR" altLang="en-US" dirty="0">
+              <a:solidFill>
+                <a:schemeClr val="tx1"/>
+              </a:solidFill>
+            </a:endParaRPr>
+          </a:p>
+        </p:txBody>
+      </p:sp>
+      <p:cxnSp>
+        <p:nvCxnSpPr>
+          <p:cNvPr id="38" name="꺾인 연결선 37"/>
+          <p:cNvCxnSpPr>
+            <a:cxnSpLocks/>
+            <a:stCxn id="37" idx="3"/>
+            <a:endCxn id="51" idx="0"/>
+          </p:cNvCxnSpPr>
+          <p:nvPr/>
+        </p:nvCxnSpPr>
+        <p:spPr>
+          <a:xfrm flipV="1">
+            <a:off x="2483768" y="3789040"/>
+            <a:ext cx="1234423" cy="414917"/>
+          </a:xfrm>
+          <a:prstGeom prst="bentConnector4">
+            <a:avLst>
+              <a:gd name="adj1" fmla="val 37917"/>
+              <a:gd name="adj2" fmla="val 155095"/>
+            </a:avLst>
+          </a:prstGeom>
+          <a:ln w="19050">
+            <a:solidFill>
+              <a:srgbClr val="FF0000"/>
+            </a:solidFill>
+            <a:prstDash val="dash"/>
+            <a:tailEnd type="arrow"/>
+          </a:ln>
+        </p:spPr>
+        <p:style>
+          <a:lnRef idx="1">
+            <a:schemeClr val="accent1"/>
+          </a:lnRef>
+          <a:fillRef idx="0">
+            <a:schemeClr val="accent1"/>
+          </a:fillRef>
+          <a:effectRef idx="0">
+            <a:schemeClr val="accent1"/>
+          </a:effectRef>
+          <a:fontRef idx="minor">
+            <a:schemeClr val="tx1"/>
+          </a:fontRef>
+        </p:style>
+      </p:cxnSp>
+      <p:sp>
+        <p:nvSpPr>
+          <p:cNvPr id="39" name="TextBox 38"/>
+          <p:cNvSpPr txBox="1"/>
+          <p:nvPr/>
+        </p:nvSpPr>
+        <p:spPr>
+          <a:xfrm>
+            <a:off x="4012491" y="868070"/>
+            <a:ext cx="933204" cy="369332"/>
+          </a:xfrm>
+          <a:prstGeom prst="rect">
+            <a:avLst/>
+          </a:prstGeom>
+          <a:solidFill>
+            <a:schemeClr val="bg1"/>
+          </a:solidFill>
+        </p:spPr>
+        <p:txBody>
+          <a:bodyPr wrap="none" rtlCol="0">
+            <a:spAutoFit/>
+          </a:bodyPr>
+          <a:lstStyle/>
+          <a:p>
+            <a:r>
+              <a:rPr lang="en-US" altLang="ko-KR" dirty="0" err="1"/>
+              <a:t>CarTest</a:t>
+            </a:r>
+            <a:endParaRPr lang="ko-KR" altLang="en-US" dirty="0"/>
+          </a:p>
+        </p:txBody>
+      </p:sp>
+      <p:sp>
+        <p:nvSpPr>
+          <p:cNvPr id="41" name="TextBox 40"/>
+          <p:cNvSpPr txBox="1"/>
+          <p:nvPr/>
+        </p:nvSpPr>
+        <p:spPr>
+          <a:xfrm>
+            <a:off x="683568" y="3933056"/>
+            <a:ext cx="500458" cy="461665"/>
+          </a:xfrm>
+          <a:prstGeom prst="rect">
+            <a:avLst/>
+          </a:prstGeom>
+          <a:noFill/>
+        </p:spPr>
+        <p:txBody>
+          <a:bodyPr wrap="none" rtlCol="0">
+            <a:spAutoFit/>
+          </a:bodyPr>
+          <a:lstStyle/>
+          <a:p>
+            <a:r>
+              <a:rPr lang="en-US" altLang="ko-KR" sz="2400" dirty="0"/>
+              <a:t>c1</a:t>
+            </a:r>
+            <a:endParaRPr lang="ko-KR" altLang="en-US" sz="2400" dirty="0"/>
+          </a:p>
+        </p:txBody>
+      </p:sp>
+      <p:cxnSp>
+        <p:nvCxnSpPr>
+          <p:cNvPr id="42" name="직선 화살표 연결선 41"/>
+          <p:cNvCxnSpPr/>
+          <p:nvPr/>
+        </p:nvCxnSpPr>
+        <p:spPr>
+          <a:xfrm>
+            <a:off x="1043608" y="4201634"/>
+            <a:ext cx="215522" cy="2323"/>
+          </a:xfrm>
+          <a:prstGeom prst="straightConnector1">
+            <a:avLst/>
+          </a:prstGeom>
+          <a:ln w="25400">
+            <a:solidFill>
+              <a:schemeClr val="accent3">
+                <a:lumMod val="75000"/>
+              </a:schemeClr>
+            </a:solidFill>
+            <a:headEnd type="none"/>
+            <a:tailEnd type="triangle"/>
+          </a:ln>
+        </p:spPr>
+        <p:style>
+          <a:lnRef idx="1">
+            <a:schemeClr val="accent1"/>
+          </a:lnRef>
+          <a:fillRef idx="0">
+            <a:schemeClr val="accent1"/>
+          </a:fillRef>
+          <a:effectRef idx="0">
+            <a:schemeClr val="accent1"/>
+          </a:effectRef>
+          <a:fontRef idx="minor">
+            <a:schemeClr val="tx1"/>
+          </a:fontRef>
+        </p:style>
+      </p:cxnSp>
+      <p:sp>
+        <p:nvSpPr>
+          <p:cNvPr id="51" name="TextBox 50"/>
+          <p:cNvSpPr txBox="1"/>
+          <p:nvPr/>
+        </p:nvSpPr>
+        <p:spPr>
+          <a:xfrm>
+            <a:off x="3419872" y="3789040"/>
+            <a:ext cx="596638" cy="276999"/>
+          </a:xfrm>
+          <a:prstGeom prst="rect">
+            <a:avLst/>
+          </a:prstGeom>
+          <a:noFill/>
+        </p:spPr>
+        <p:txBody>
+          <a:bodyPr wrap="none" rtlCol="0">
+            <a:spAutoFit/>
+          </a:bodyPr>
+          <a:lstStyle/>
+          <a:p>
+            <a:r>
+              <a:rPr lang="en-US" altLang="ko-KR" sz="1200" dirty="0"/>
+              <a:t>0x100</a:t>
+            </a:r>
+            <a:endParaRPr lang="ko-KR" altLang="en-US" sz="1200" dirty="0"/>
+          </a:p>
+        </p:txBody>
+      </p:sp>
+      <p:sp>
+        <p:nvSpPr>
+          <p:cNvPr id="52" name="직사각형 51"/>
+          <p:cNvSpPr/>
+          <p:nvPr/>
+        </p:nvSpPr>
+        <p:spPr>
+          <a:xfrm>
+            <a:off x="3491879" y="4031776"/>
+            <a:ext cx="2040705" cy="1008112"/>
+          </a:xfrm>
+          <a:prstGeom prst="rect">
+            <a:avLst/>
+          </a:prstGeom>
+          <a:solidFill>
+            <a:schemeClr val="tx2">
+              <a:lumMod val="60000"/>
+              <a:lumOff val="40000"/>
+            </a:schemeClr>
+          </a:solidFill>
+          <a:ln w="12700">
+            <a:solidFill>
+              <a:schemeClr val="tx2"/>
+            </a:solidFill>
+          </a:ln>
+        </p:spPr>
+        <p:style>
+          <a:lnRef idx="2">
+            <a:schemeClr val="accent1">
+              <a:shade val="50000"/>
+            </a:schemeClr>
+          </a:lnRef>
+          <a:fillRef idx="1">
+            <a:schemeClr val="accent1"/>
+          </a:fillRef>
+          <a:effectRef idx="0">
+            <a:schemeClr val="accent1"/>
+          </a:effectRef>
+          <a:fontRef idx="minor">
+            <a:schemeClr val="lt1"/>
+          </a:fontRef>
+        </p:style>
+        <p:txBody>
+          <a:bodyPr rtlCol="0" anchor="ctr"/>
+          <a:lstStyle/>
+          <a:p>
+            <a:pPr algn="ctr"/>
+            <a:endParaRPr lang="ko-KR" altLang="en-US" dirty="0"/>
+          </a:p>
+        </p:txBody>
+      </p:sp>
+      <p:sp>
+        <p:nvSpPr>
+          <p:cNvPr id="54" name="직사각형 53"/>
+          <p:cNvSpPr/>
+          <p:nvPr/>
+        </p:nvSpPr>
+        <p:spPr>
+          <a:xfrm>
+            <a:off x="4421360" y="4103784"/>
+            <a:ext cx="1003844" cy="288032"/>
+          </a:xfrm>
+          <a:prstGeom prst="rect">
+            <a:avLst/>
+          </a:prstGeom>
+          <a:solidFill>
+            <a:schemeClr val="tx2">
+              <a:lumMod val="20000"/>
+              <a:lumOff val="80000"/>
+            </a:schemeClr>
+          </a:solidFill>
+          <a:ln w="9525">
+            <a:solidFill>
+              <a:schemeClr val="accent3">
+                <a:lumMod val="50000"/>
+              </a:schemeClr>
+            </a:solidFill>
+          </a:ln>
+        </p:spPr>
+        <p:style>
+          <a:lnRef idx="2">
+            <a:schemeClr val="accent1">
+              <a:shade val="50000"/>
+            </a:schemeClr>
+          </a:lnRef>
+          <a:fillRef idx="1">
+            <a:schemeClr val="accent1"/>
+          </a:fillRef>
+          <a:effectRef idx="0">
+            <a:schemeClr val="accent1"/>
+          </a:effectRef>
+          <a:fontRef idx="minor">
+            <a:schemeClr val="lt1"/>
+          </a:fontRef>
+        </p:style>
+        <p:txBody>
+          <a:bodyPr rtlCol="0" anchor="ctr"/>
+          <a:lstStyle/>
+          <a:p>
+            <a:pPr algn="ctr"/>
+            <a:endParaRPr lang="ko-KR" altLang="en-US" dirty="0">
+              <a:solidFill>
+                <a:schemeClr val="tx1"/>
+              </a:solidFill>
+            </a:endParaRPr>
+          </a:p>
+        </p:txBody>
+      </p:sp>
+      <p:sp>
+        <p:nvSpPr>
+          <p:cNvPr id="65" name="직사각형 64"/>
+          <p:cNvSpPr/>
+          <p:nvPr/>
+        </p:nvSpPr>
+        <p:spPr>
+          <a:xfrm>
+            <a:off x="4421360" y="4391816"/>
+            <a:ext cx="1003844" cy="288032"/>
+          </a:xfrm>
+          <a:prstGeom prst="rect">
+            <a:avLst/>
+          </a:prstGeom>
+          <a:solidFill>
+            <a:schemeClr val="tx2">
+              <a:lumMod val="20000"/>
+              <a:lumOff val="80000"/>
+            </a:schemeClr>
+          </a:solidFill>
+          <a:ln w="9525">
+            <a:solidFill>
+              <a:schemeClr val="accent3">
+                <a:lumMod val="50000"/>
+              </a:schemeClr>
+            </a:solidFill>
+          </a:ln>
+        </p:spPr>
+        <p:style>
+          <a:lnRef idx="2">
+            <a:schemeClr val="accent1">
+              <a:shade val="50000"/>
+            </a:schemeClr>
+          </a:lnRef>
+          <a:fillRef idx="1">
+            <a:schemeClr val="accent1"/>
+          </a:fillRef>
+          <a:effectRef idx="0">
+            <a:schemeClr val="accent1"/>
+          </a:effectRef>
+          <a:fontRef idx="minor">
+            <a:schemeClr val="lt1"/>
+          </a:fontRef>
+        </p:style>
+        <p:txBody>
+          <a:bodyPr rtlCol="0" anchor="ctr"/>
+          <a:lstStyle/>
+          <a:p>
+            <a:pPr algn="ctr"/>
+            <a:endParaRPr lang="ko-KR" altLang="en-US" dirty="0">
+              <a:solidFill>
+                <a:schemeClr val="tx1"/>
+              </a:solidFill>
+            </a:endParaRPr>
+          </a:p>
+        </p:txBody>
+      </p:sp>
+      <p:sp>
+        <p:nvSpPr>
+          <p:cNvPr id="69" name="직사각형 68"/>
+          <p:cNvSpPr/>
+          <p:nvPr/>
+        </p:nvSpPr>
+        <p:spPr>
+          <a:xfrm>
+            <a:off x="4421360" y="4679848"/>
+            <a:ext cx="1003844" cy="288032"/>
+          </a:xfrm>
+          <a:prstGeom prst="rect">
+            <a:avLst/>
+          </a:prstGeom>
+          <a:solidFill>
+            <a:schemeClr val="tx2">
+              <a:lumMod val="20000"/>
+              <a:lumOff val="80000"/>
+            </a:schemeClr>
+          </a:solidFill>
+          <a:ln w="9525">
+            <a:solidFill>
+              <a:schemeClr val="accent3">
+                <a:lumMod val="50000"/>
+              </a:schemeClr>
+            </a:solidFill>
+          </a:ln>
+        </p:spPr>
+        <p:style>
+          <a:lnRef idx="2">
+            <a:schemeClr val="accent1">
+              <a:shade val="50000"/>
+            </a:schemeClr>
+          </a:lnRef>
+          <a:fillRef idx="1">
+            <a:schemeClr val="accent1"/>
+          </a:fillRef>
+          <a:effectRef idx="0">
+            <a:schemeClr val="accent1"/>
+          </a:effectRef>
+          <a:fontRef idx="minor">
+            <a:schemeClr val="lt1"/>
+          </a:fontRef>
+        </p:style>
+        <p:txBody>
+          <a:bodyPr rtlCol="0" anchor="ctr"/>
+          <a:lstStyle/>
+          <a:p>
+            <a:pPr algn="ctr"/>
+            <a:r>
+              <a:rPr lang="en-US" altLang="ko-KR" dirty="0">
+                <a:solidFill>
+                  <a:schemeClr val="tx1"/>
+                </a:solidFill>
+              </a:rPr>
+              <a:t>4</a:t>
+            </a:r>
+            <a:endParaRPr lang="ko-KR" altLang="en-US" dirty="0">
+              <a:solidFill>
+                <a:schemeClr val="tx1"/>
+              </a:solidFill>
+            </a:endParaRPr>
+          </a:p>
+        </p:txBody>
+      </p:sp>
+      <p:sp>
+        <p:nvSpPr>
+          <p:cNvPr id="70" name="TextBox 69"/>
+          <p:cNvSpPr txBox="1"/>
+          <p:nvPr/>
+        </p:nvSpPr>
+        <p:spPr>
+          <a:xfrm>
+            <a:off x="3516718" y="4080386"/>
+            <a:ext cx="1003844" cy="307777"/>
+          </a:xfrm>
+          <a:prstGeom prst="rect">
+            <a:avLst/>
+          </a:prstGeom>
+          <a:noFill/>
+        </p:spPr>
+        <p:txBody>
+          <a:bodyPr wrap="square" rtlCol="0">
+            <a:spAutoFit/>
+          </a:bodyPr>
+          <a:lstStyle/>
+          <a:p>
+            <a:r>
+              <a:rPr lang="en-US" altLang="ko-KR" sz="1400" dirty="0"/>
+              <a:t>color</a:t>
+            </a:r>
+            <a:endParaRPr lang="ko-KR" altLang="en-US" sz="1400" dirty="0"/>
+          </a:p>
+        </p:txBody>
+      </p:sp>
+      <p:sp>
+        <p:nvSpPr>
+          <p:cNvPr id="71" name="TextBox 70"/>
+          <p:cNvSpPr txBox="1"/>
+          <p:nvPr/>
+        </p:nvSpPr>
+        <p:spPr>
+          <a:xfrm>
+            <a:off x="3516718" y="4380697"/>
+            <a:ext cx="1003844" cy="307777"/>
+          </a:xfrm>
+          <a:prstGeom prst="rect">
+            <a:avLst/>
+          </a:prstGeom>
+          <a:noFill/>
+        </p:spPr>
+        <p:txBody>
+          <a:bodyPr wrap="square" rtlCol="0">
+            <a:spAutoFit/>
+          </a:bodyPr>
+          <a:lstStyle/>
+          <a:p>
+            <a:r>
+              <a:rPr lang="en-US" altLang="ko-KR" sz="1400" dirty="0" err="1"/>
+              <a:t>gearType</a:t>
+            </a:r>
+            <a:endParaRPr lang="ko-KR" altLang="en-US" sz="1400" dirty="0"/>
+          </a:p>
+        </p:txBody>
+      </p:sp>
+      <p:sp>
+        <p:nvSpPr>
+          <p:cNvPr id="72" name="TextBox 71"/>
+          <p:cNvSpPr txBox="1"/>
+          <p:nvPr/>
+        </p:nvSpPr>
+        <p:spPr>
+          <a:xfrm>
+            <a:off x="3516718" y="4677355"/>
+            <a:ext cx="1003844" cy="307777"/>
+          </a:xfrm>
+          <a:prstGeom prst="rect">
+            <a:avLst/>
+          </a:prstGeom>
+          <a:noFill/>
+        </p:spPr>
+        <p:txBody>
+          <a:bodyPr wrap="square" rtlCol="0">
+            <a:spAutoFit/>
+          </a:bodyPr>
+          <a:lstStyle/>
+          <a:p>
+            <a:r>
+              <a:rPr lang="en-US" altLang="ko-KR" sz="1400" dirty="0"/>
+              <a:t>door</a:t>
+            </a:r>
+            <a:endParaRPr lang="ko-KR" altLang="en-US" sz="1400" dirty="0"/>
+          </a:p>
+        </p:txBody>
+      </p:sp>
+      <p:cxnSp>
+        <p:nvCxnSpPr>
+          <p:cNvPr id="96" name="직선 화살표 연결선 95"/>
+          <p:cNvCxnSpPr/>
+          <p:nvPr/>
+        </p:nvCxnSpPr>
+        <p:spPr>
+          <a:xfrm>
+            <a:off x="1043608" y="3824751"/>
+            <a:ext cx="215522" cy="2323"/>
+          </a:xfrm>
+          <a:prstGeom prst="straightConnector1">
+            <a:avLst/>
+          </a:prstGeom>
+          <a:ln w="25400">
+            <a:solidFill>
+              <a:schemeClr val="accent3">
+                <a:lumMod val="75000"/>
+              </a:schemeClr>
+            </a:solidFill>
+            <a:headEnd type="none"/>
+            <a:tailEnd type="triangle"/>
+          </a:ln>
+        </p:spPr>
+        <p:style>
+          <a:lnRef idx="1">
+            <a:schemeClr val="accent1"/>
+          </a:lnRef>
+          <a:fillRef idx="0">
+            <a:schemeClr val="accent1"/>
+          </a:fillRef>
+          <a:effectRef idx="0">
+            <a:schemeClr val="accent1"/>
+          </a:effectRef>
+          <a:fontRef idx="minor">
+            <a:schemeClr val="tx1"/>
+          </a:fontRef>
+        </p:style>
+      </p:cxnSp>
+      <p:sp>
+        <p:nvSpPr>
+          <p:cNvPr id="94" name="TextBox 93">
+            <a:extLst>
+              <a:ext uri="{FF2B5EF4-FFF2-40B4-BE49-F238E27FC236}">
+                <a16:creationId xmlns:a16="http://schemas.microsoft.com/office/drawing/2014/main" id="{0EB8617C-F1BA-4C69-9C1B-269000A8B56E}"/>
+              </a:ext>
+            </a:extLst>
+          </p:cNvPr>
+          <p:cNvSpPr txBox="1"/>
+          <p:nvPr/>
+        </p:nvSpPr>
+        <p:spPr>
+          <a:xfrm>
+            <a:off x="683568" y="3588705"/>
+            <a:ext cx="500458" cy="461665"/>
+          </a:xfrm>
+          <a:prstGeom prst="rect">
+            <a:avLst/>
+          </a:prstGeom>
+          <a:noFill/>
+        </p:spPr>
+        <p:txBody>
+          <a:bodyPr wrap="none" rtlCol="0">
+            <a:spAutoFit/>
+          </a:bodyPr>
+          <a:lstStyle/>
+          <a:p>
+            <a:r>
+              <a:rPr lang="en-US" altLang="ko-KR" sz="2400" dirty="0"/>
+              <a:t>c2</a:t>
+            </a:r>
+            <a:endParaRPr lang="ko-KR" altLang="en-US" sz="2400" dirty="0"/>
+          </a:p>
+        </p:txBody>
+      </p:sp>
+      <p:sp>
+        <p:nvSpPr>
+          <p:cNvPr id="109" name="직사각형 108">
+            <a:extLst>
+              <a:ext uri="{FF2B5EF4-FFF2-40B4-BE49-F238E27FC236}">
+                <a16:creationId xmlns:a16="http://schemas.microsoft.com/office/drawing/2014/main" id="{E133F6C7-F28D-427A-85DB-DC96B09020A9}"/>
+              </a:ext>
+            </a:extLst>
+          </p:cNvPr>
+          <p:cNvSpPr/>
+          <p:nvPr/>
+        </p:nvSpPr>
+        <p:spPr>
+          <a:xfrm>
+            <a:off x="1403648" y="3668203"/>
+            <a:ext cx="1080120" cy="322295"/>
+          </a:xfrm>
+          <a:prstGeom prst="rect">
+            <a:avLst/>
+          </a:prstGeom>
+          <a:solidFill>
+            <a:schemeClr val="tx2">
+              <a:lumMod val="20000"/>
+              <a:lumOff val="80000"/>
+            </a:schemeClr>
+          </a:solidFill>
+        </p:spPr>
+        <p:style>
+          <a:lnRef idx="2">
+            <a:schemeClr val="accent1">
+              <a:shade val="50000"/>
+            </a:schemeClr>
+          </a:lnRef>
+          <a:fillRef idx="1">
+            <a:schemeClr val="accent1"/>
+          </a:fillRef>
+          <a:effectRef idx="0">
+            <a:schemeClr val="accent1"/>
+          </a:effectRef>
+          <a:fontRef idx="minor">
+            <a:schemeClr val="lt1"/>
+          </a:fontRef>
+        </p:style>
+        <p:txBody>
+          <a:bodyPr rtlCol="0" anchor="ctr"/>
+          <a:lstStyle/>
+          <a:p>
+            <a:pPr algn="ctr"/>
+            <a:r>
+              <a:rPr lang="en-US" altLang="ko-KR" dirty="0">
+                <a:solidFill>
+                  <a:schemeClr val="tx1"/>
+                </a:solidFill>
+              </a:rPr>
+              <a:t>0x500</a:t>
+            </a:r>
+            <a:endParaRPr lang="ko-KR" altLang="en-US" dirty="0">
+              <a:solidFill>
+                <a:schemeClr val="tx1"/>
+              </a:solidFill>
+            </a:endParaRPr>
+          </a:p>
+        </p:txBody>
+      </p:sp>
+      <p:sp>
+        <p:nvSpPr>
+          <p:cNvPr id="110" name="TextBox 109">
+            <a:extLst>
+              <a:ext uri="{FF2B5EF4-FFF2-40B4-BE49-F238E27FC236}">
+                <a16:creationId xmlns:a16="http://schemas.microsoft.com/office/drawing/2014/main" id="{CB0AECB0-0FC0-49B2-B6CA-E04CF772A18C}"/>
+              </a:ext>
+            </a:extLst>
+          </p:cNvPr>
+          <p:cNvSpPr txBox="1"/>
+          <p:nvPr/>
+        </p:nvSpPr>
+        <p:spPr>
+          <a:xfrm>
+            <a:off x="6888961" y="2484429"/>
+            <a:ext cx="596638" cy="276999"/>
+          </a:xfrm>
+          <a:prstGeom prst="rect">
+            <a:avLst/>
+          </a:prstGeom>
+          <a:noFill/>
+        </p:spPr>
+        <p:txBody>
+          <a:bodyPr wrap="none" rtlCol="0">
+            <a:spAutoFit/>
+          </a:bodyPr>
+          <a:lstStyle/>
+          <a:p>
+            <a:r>
+              <a:rPr lang="en-US" altLang="ko-KR" sz="1200" dirty="0"/>
+              <a:t>0x200</a:t>
+            </a:r>
+            <a:endParaRPr lang="ko-KR" altLang="en-US" sz="1200" dirty="0"/>
+          </a:p>
+        </p:txBody>
+      </p:sp>
+      <p:cxnSp>
+        <p:nvCxnSpPr>
+          <p:cNvPr id="111" name="꺾인 연결선 37">
+            <a:extLst>
+              <a:ext uri="{FF2B5EF4-FFF2-40B4-BE49-F238E27FC236}">
+                <a16:creationId xmlns:a16="http://schemas.microsoft.com/office/drawing/2014/main" id="{B6EA3713-5DFD-4F19-B8F1-3FBBF7E9E749}"/>
+              </a:ext>
+            </a:extLst>
+          </p:cNvPr>
+          <p:cNvCxnSpPr>
+            <a:cxnSpLocks/>
+            <a:stCxn id="109" idx="3"/>
+            <a:endCxn id="112" idx="0"/>
+          </p:cNvCxnSpPr>
+          <p:nvPr/>
+        </p:nvCxnSpPr>
+        <p:spPr>
+          <a:xfrm flipV="1">
+            <a:off x="2483768" y="1628123"/>
+            <a:ext cx="946391" cy="2201228"/>
+          </a:xfrm>
+          <a:prstGeom prst="bentConnector4">
+            <a:avLst>
+              <a:gd name="adj1" fmla="val 34239"/>
+              <a:gd name="adj2" fmla="val 110385"/>
+            </a:avLst>
+          </a:prstGeom>
+          <a:ln w="19050">
+            <a:solidFill>
+              <a:srgbClr val="FF0000"/>
+            </a:solidFill>
+            <a:prstDash val="dash"/>
+            <a:tailEnd type="arrow"/>
+          </a:ln>
+        </p:spPr>
+        <p:style>
+          <a:lnRef idx="1">
+            <a:schemeClr val="accent1"/>
+          </a:lnRef>
+          <a:fillRef idx="0">
+            <a:schemeClr val="accent1"/>
+          </a:fillRef>
+          <a:effectRef idx="0">
+            <a:schemeClr val="accent1"/>
+          </a:effectRef>
+          <a:fontRef idx="minor">
+            <a:schemeClr val="tx1"/>
+          </a:fontRef>
+        </p:style>
+      </p:cxnSp>
+      <p:sp>
+        <p:nvSpPr>
+          <p:cNvPr id="112" name="TextBox 111">
+            <a:extLst>
+              <a:ext uri="{FF2B5EF4-FFF2-40B4-BE49-F238E27FC236}">
+                <a16:creationId xmlns:a16="http://schemas.microsoft.com/office/drawing/2014/main" id="{B4C4F4C8-9766-40FE-8844-84536CB651CA}"/>
+              </a:ext>
+            </a:extLst>
+          </p:cNvPr>
+          <p:cNvSpPr txBox="1"/>
+          <p:nvPr/>
+        </p:nvSpPr>
+        <p:spPr>
+          <a:xfrm>
+            <a:off x="3131840" y="1628123"/>
+            <a:ext cx="596638" cy="276999"/>
+          </a:xfrm>
+          <a:prstGeom prst="rect">
+            <a:avLst/>
+          </a:prstGeom>
+          <a:noFill/>
+        </p:spPr>
+        <p:txBody>
+          <a:bodyPr wrap="none" rtlCol="0">
+            <a:spAutoFit/>
+          </a:bodyPr>
+          <a:lstStyle/>
+          <a:p>
+            <a:r>
+              <a:rPr lang="en-US" altLang="ko-KR" sz="1200" dirty="0"/>
+              <a:t>0x500</a:t>
+            </a:r>
+            <a:endParaRPr lang="ko-KR" altLang="en-US" sz="1200" dirty="0"/>
+          </a:p>
+        </p:txBody>
+      </p:sp>
+      <p:sp>
+        <p:nvSpPr>
+          <p:cNvPr id="113" name="직사각형 112">
+            <a:extLst>
+              <a:ext uri="{FF2B5EF4-FFF2-40B4-BE49-F238E27FC236}">
+                <a16:creationId xmlns:a16="http://schemas.microsoft.com/office/drawing/2014/main" id="{E38E9F2E-5D49-469C-9D96-95DEE4805269}"/>
+              </a:ext>
+            </a:extLst>
+          </p:cNvPr>
+          <p:cNvSpPr/>
+          <p:nvPr/>
+        </p:nvSpPr>
+        <p:spPr>
+          <a:xfrm>
+            <a:off x="3203847" y="1870859"/>
+            <a:ext cx="2040705" cy="1008112"/>
+          </a:xfrm>
+          <a:prstGeom prst="rect">
+            <a:avLst/>
+          </a:prstGeom>
+          <a:solidFill>
+            <a:schemeClr val="tx2">
+              <a:lumMod val="60000"/>
+              <a:lumOff val="40000"/>
+            </a:schemeClr>
+          </a:solidFill>
+          <a:ln w="12700">
+            <a:solidFill>
+              <a:schemeClr val="tx2"/>
+            </a:solidFill>
+          </a:ln>
+        </p:spPr>
+        <p:style>
+          <a:lnRef idx="2">
+            <a:schemeClr val="accent1">
+              <a:shade val="50000"/>
+            </a:schemeClr>
+          </a:lnRef>
+          <a:fillRef idx="1">
+            <a:schemeClr val="accent1"/>
+          </a:fillRef>
+          <a:effectRef idx="0">
+            <a:schemeClr val="accent1"/>
+          </a:effectRef>
+          <a:fontRef idx="minor">
+            <a:schemeClr val="lt1"/>
+          </a:fontRef>
+        </p:style>
+        <p:txBody>
+          <a:bodyPr rtlCol="0" anchor="ctr"/>
+          <a:lstStyle/>
+          <a:p>
+            <a:pPr algn="ctr"/>
+            <a:endParaRPr lang="ko-KR" altLang="en-US" dirty="0"/>
+          </a:p>
+        </p:txBody>
+      </p:sp>
+      <p:sp>
+        <p:nvSpPr>
+          <p:cNvPr id="114" name="직사각형 113">
+            <a:extLst>
+              <a:ext uri="{FF2B5EF4-FFF2-40B4-BE49-F238E27FC236}">
+                <a16:creationId xmlns:a16="http://schemas.microsoft.com/office/drawing/2014/main" id="{DCB6CDEB-F1B4-4098-AE56-EC85FF1061AD}"/>
+              </a:ext>
+            </a:extLst>
+          </p:cNvPr>
+          <p:cNvSpPr/>
+          <p:nvPr/>
+        </p:nvSpPr>
+        <p:spPr>
+          <a:xfrm>
+            <a:off x="4133328" y="1942867"/>
+            <a:ext cx="1003844" cy="288032"/>
+          </a:xfrm>
+          <a:prstGeom prst="rect">
+            <a:avLst/>
+          </a:prstGeom>
+          <a:solidFill>
+            <a:schemeClr val="tx2">
+              <a:lumMod val="20000"/>
+              <a:lumOff val="80000"/>
+            </a:schemeClr>
+          </a:solidFill>
+          <a:ln w="9525">
+            <a:solidFill>
+              <a:schemeClr val="accent3">
+                <a:lumMod val="50000"/>
+              </a:schemeClr>
+            </a:solidFill>
+          </a:ln>
+        </p:spPr>
+        <p:style>
+          <a:lnRef idx="2">
+            <a:schemeClr val="accent1">
+              <a:shade val="50000"/>
+            </a:schemeClr>
+          </a:lnRef>
+          <a:fillRef idx="1">
+            <a:schemeClr val="accent1"/>
+          </a:fillRef>
+          <a:effectRef idx="0">
+            <a:schemeClr val="accent1"/>
+          </a:effectRef>
+          <a:fontRef idx="minor">
+            <a:schemeClr val="lt1"/>
+          </a:fontRef>
+        </p:style>
+        <p:txBody>
+          <a:bodyPr rtlCol="0" anchor="ctr"/>
+          <a:lstStyle/>
+          <a:p>
+            <a:pPr algn="ctr"/>
+            <a:endParaRPr lang="ko-KR" altLang="en-US" dirty="0">
+              <a:solidFill>
+                <a:schemeClr val="tx1"/>
+              </a:solidFill>
+            </a:endParaRPr>
+          </a:p>
+        </p:txBody>
+      </p:sp>
+      <p:sp>
+        <p:nvSpPr>
+          <p:cNvPr id="115" name="직사각형 114">
+            <a:extLst>
+              <a:ext uri="{FF2B5EF4-FFF2-40B4-BE49-F238E27FC236}">
+                <a16:creationId xmlns:a16="http://schemas.microsoft.com/office/drawing/2014/main" id="{B3E81562-1703-4CD7-9D46-737F58D51919}"/>
+              </a:ext>
+            </a:extLst>
+          </p:cNvPr>
+          <p:cNvSpPr/>
+          <p:nvPr/>
+        </p:nvSpPr>
+        <p:spPr>
+          <a:xfrm>
+            <a:off x="4133328" y="2230899"/>
+            <a:ext cx="1003844" cy="288032"/>
+          </a:xfrm>
+          <a:prstGeom prst="rect">
+            <a:avLst/>
+          </a:prstGeom>
+          <a:solidFill>
+            <a:schemeClr val="tx2">
+              <a:lumMod val="20000"/>
+              <a:lumOff val="80000"/>
+            </a:schemeClr>
+          </a:solidFill>
+          <a:ln w="9525">
+            <a:solidFill>
+              <a:schemeClr val="accent3">
+                <a:lumMod val="50000"/>
+              </a:schemeClr>
+            </a:solidFill>
+          </a:ln>
+        </p:spPr>
+        <p:style>
+          <a:lnRef idx="2">
+            <a:schemeClr val="accent1">
+              <a:shade val="50000"/>
+            </a:schemeClr>
+          </a:lnRef>
+          <a:fillRef idx="1">
+            <a:schemeClr val="accent1"/>
+          </a:fillRef>
+          <a:effectRef idx="0">
+            <a:schemeClr val="accent1"/>
+          </a:effectRef>
+          <a:fontRef idx="minor">
+            <a:schemeClr val="lt1"/>
+          </a:fontRef>
+        </p:style>
+        <p:txBody>
+          <a:bodyPr rtlCol="0" anchor="ctr"/>
+          <a:lstStyle/>
+          <a:p>
+            <a:pPr algn="ctr"/>
+            <a:endParaRPr lang="ko-KR" altLang="en-US" dirty="0">
+              <a:solidFill>
+                <a:schemeClr val="tx1"/>
+              </a:solidFill>
+            </a:endParaRPr>
+          </a:p>
+        </p:txBody>
+      </p:sp>
+      <p:sp>
+        <p:nvSpPr>
+          <p:cNvPr id="116" name="직사각형 115">
+            <a:extLst>
+              <a:ext uri="{FF2B5EF4-FFF2-40B4-BE49-F238E27FC236}">
+                <a16:creationId xmlns:a16="http://schemas.microsoft.com/office/drawing/2014/main" id="{8A642EAF-4734-48A5-9117-9F1008E19276}"/>
+              </a:ext>
+            </a:extLst>
+          </p:cNvPr>
+          <p:cNvSpPr/>
+          <p:nvPr/>
+        </p:nvSpPr>
+        <p:spPr>
+          <a:xfrm>
+            <a:off x="4133328" y="2518931"/>
+            <a:ext cx="1003844" cy="288032"/>
+          </a:xfrm>
+          <a:prstGeom prst="rect">
+            <a:avLst/>
+          </a:prstGeom>
+          <a:solidFill>
+            <a:schemeClr val="tx2">
+              <a:lumMod val="20000"/>
+              <a:lumOff val="80000"/>
+            </a:schemeClr>
+          </a:solidFill>
+          <a:ln w="9525">
+            <a:solidFill>
+              <a:schemeClr val="accent3">
+                <a:lumMod val="50000"/>
+              </a:schemeClr>
+            </a:solidFill>
+          </a:ln>
+        </p:spPr>
+        <p:style>
+          <a:lnRef idx="2">
+            <a:schemeClr val="accent1">
+              <a:shade val="50000"/>
+            </a:schemeClr>
+          </a:lnRef>
+          <a:fillRef idx="1">
+            <a:schemeClr val="accent1"/>
+          </a:fillRef>
+          <a:effectRef idx="0">
+            <a:schemeClr val="accent1"/>
+          </a:effectRef>
+          <a:fontRef idx="minor">
+            <a:schemeClr val="lt1"/>
+          </a:fontRef>
+        </p:style>
+        <p:txBody>
+          <a:bodyPr rtlCol="0" anchor="ctr"/>
+          <a:lstStyle/>
+          <a:p>
+            <a:pPr algn="ctr"/>
+            <a:r>
+              <a:rPr lang="en-US" altLang="ko-KR" dirty="0">
+                <a:solidFill>
+                  <a:schemeClr val="tx1"/>
+                </a:solidFill>
+              </a:rPr>
+              <a:t>4</a:t>
+            </a:r>
+            <a:endParaRPr lang="ko-KR" altLang="en-US" dirty="0">
+              <a:solidFill>
+                <a:schemeClr val="tx1"/>
+              </a:solidFill>
+            </a:endParaRPr>
+          </a:p>
+        </p:txBody>
+      </p:sp>
+      <p:sp>
+        <p:nvSpPr>
+          <p:cNvPr id="117" name="TextBox 116">
+            <a:extLst>
+              <a:ext uri="{FF2B5EF4-FFF2-40B4-BE49-F238E27FC236}">
+                <a16:creationId xmlns:a16="http://schemas.microsoft.com/office/drawing/2014/main" id="{5E0CD47F-B1B9-4C8B-8B6A-16768F1727FA}"/>
+              </a:ext>
+            </a:extLst>
+          </p:cNvPr>
+          <p:cNvSpPr txBox="1"/>
+          <p:nvPr/>
+        </p:nvSpPr>
+        <p:spPr>
+          <a:xfrm>
+            <a:off x="3228686" y="1919469"/>
+            <a:ext cx="1003844" cy="307777"/>
+          </a:xfrm>
+          <a:prstGeom prst="rect">
+            <a:avLst/>
+          </a:prstGeom>
+          <a:noFill/>
+        </p:spPr>
+        <p:txBody>
+          <a:bodyPr wrap="square" rtlCol="0">
+            <a:spAutoFit/>
+          </a:bodyPr>
+          <a:lstStyle/>
+          <a:p>
+            <a:r>
+              <a:rPr lang="en-US" altLang="ko-KR" sz="1400" dirty="0"/>
+              <a:t>color</a:t>
+            </a:r>
+            <a:endParaRPr lang="ko-KR" altLang="en-US" sz="1400" dirty="0"/>
+          </a:p>
+        </p:txBody>
+      </p:sp>
+      <p:sp>
+        <p:nvSpPr>
+          <p:cNvPr id="118" name="TextBox 117">
+            <a:extLst>
+              <a:ext uri="{FF2B5EF4-FFF2-40B4-BE49-F238E27FC236}">
+                <a16:creationId xmlns:a16="http://schemas.microsoft.com/office/drawing/2014/main" id="{A46CE9E1-8FD0-439D-9327-DA861B5509C0}"/>
+              </a:ext>
+            </a:extLst>
+          </p:cNvPr>
+          <p:cNvSpPr txBox="1"/>
+          <p:nvPr/>
+        </p:nvSpPr>
+        <p:spPr>
+          <a:xfrm>
+            <a:off x="3228686" y="2219780"/>
+            <a:ext cx="1003844" cy="307777"/>
+          </a:xfrm>
+          <a:prstGeom prst="rect">
+            <a:avLst/>
+          </a:prstGeom>
+          <a:noFill/>
+        </p:spPr>
+        <p:txBody>
+          <a:bodyPr wrap="square" rtlCol="0">
+            <a:spAutoFit/>
+          </a:bodyPr>
+          <a:lstStyle/>
+          <a:p>
+            <a:r>
+              <a:rPr lang="en-US" altLang="ko-KR" sz="1400" dirty="0" err="1"/>
+              <a:t>gearType</a:t>
+            </a:r>
+            <a:endParaRPr lang="ko-KR" altLang="en-US" sz="1400" dirty="0"/>
+          </a:p>
+        </p:txBody>
+      </p:sp>
+      <p:sp>
+        <p:nvSpPr>
+          <p:cNvPr id="119" name="TextBox 118">
+            <a:extLst>
+              <a:ext uri="{FF2B5EF4-FFF2-40B4-BE49-F238E27FC236}">
+                <a16:creationId xmlns:a16="http://schemas.microsoft.com/office/drawing/2014/main" id="{EA0A0A08-1FE5-47C4-BB99-B3171F672A06}"/>
+              </a:ext>
+            </a:extLst>
+          </p:cNvPr>
+          <p:cNvSpPr txBox="1"/>
+          <p:nvPr/>
+        </p:nvSpPr>
+        <p:spPr>
+          <a:xfrm>
+            <a:off x="3228686" y="2516438"/>
+            <a:ext cx="1003844" cy="307777"/>
+          </a:xfrm>
+          <a:prstGeom prst="rect">
+            <a:avLst/>
+          </a:prstGeom>
+          <a:noFill/>
+        </p:spPr>
+        <p:txBody>
+          <a:bodyPr wrap="square" rtlCol="0">
+            <a:spAutoFit/>
+          </a:bodyPr>
+          <a:lstStyle/>
+          <a:p>
+            <a:r>
+              <a:rPr lang="en-US" altLang="ko-KR" sz="1400" dirty="0"/>
+              <a:t>door</a:t>
+            </a:r>
+            <a:endParaRPr lang="ko-KR" altLang="en-US" sz="1400" dirty="0"/>
+          </a:p>
+        </p:txBody>
+      </p:sp>
+      <p:sp>
+        <p:nvSpPr>
+          <p:cNvPr id="120" name="직사각형 119">
+            <a:extLst>
+              <a:ext uri="{FF2B5EF4-FFF2-40B4-BE49-F238E27FC236}">
+                <a16:creationId xmlns:a16="http://schemas.microsoft.com/office/drawing/2014/main" id="{294BE7BB-9C1E-4D10-814D-FC2D88F7E964}"/>
+              </a:ext>
+            </a:extLst>
+          </p:cNvPr>
+          <p:cNvSpPr/>
+          <p:nvPr/>
+        </p:nvSpPr>
+        <p:spPr>
+          <a:xfrm>
+            <a:off x="4418942" y="4112410"/>
+            <a:ext cx="1003844" cy="288032"/>
+          </a:xfrm>
+          <a:prstGeom prst="rect">
+            <a:avLst/>
+          </a:prstGeom>
+          <a:solidFill>
+            <a:schemeClr val="tx2">
+              <a:lumMod val="20000"/>
+              <a:lumOff val="80000"/>
+            </a:schemeClr>
+          </a:solidFill>
+          <a:ln w="9525">
+            <a:solidFill>
+              <a:schemeClr val="accent3">
+                <a:lumMod val="50000"/>
+              </a:schemeClr>
+            </a:solidFill>
+          </a:ln>
+        </p:spPr>
+        <p:style>
+          <a:lnRef idx="2">
+            <a:schemeClr val="accent1">
+              <a:shade val="50000"/>
+            </a:schemeClr>
+          </a:lnRef>
+          <a:fillRef idx="1">
+            <a:schemeClr val="accent1"/>
+          </a:fillRef>
+          <a:effectRef idx="0">
+            <a:schemeClr val="accent1"/>
+          </a:effectRef>
+          <a:fontRef idx="minor">
+            <a:schemeClr val="lt1"/>
+          </a:fontRef>
+        </p:style>
+        <p:txBody>
+          <a:bodyPr rtlCol="0" anchor="ctr"/>
+          <a:lstStyle/>
+          <a:p>
+            <a:r>
+              <a:rPr lang="en-US" altLang="ko-KR" sz="1400" strike="sngStrike" dirty="0">
+                <a:solidFill>
+                  <a:schemeClr val="bg1">
+                    <a:lumMod val="65000"/>
+                  </a:schemeClr>
+                </a:solidFill>
+              </a:rPr>
+              <a:t>null</a:t>
+            </a:r>
+            <a:endParaRPr lang="ko-KR" altLang="en-US" sz="1400" strike="sngStrike" dirty="0">
+              <a:solidFill>
+                <a:schemeClr val="bg1">
+                  <a:lumMod val="65000"/>
+                </a:schemeClr>
+              </a:solidFill>
+            </a:endParaRPr>
+          </a:p>
+        </p:txBody>
+      </p:sp>
+      <p:sp>
+        <p:nvSpPr>
+          <p:cNvPr id="121" name="직사각형 120">
+            <a:extLst>
+              <a:ext uri="{FF2B5EF4-FFF2-40B4-BE49-F238E27FC236}">
+                <a16:creationId xmlns:a16="http://schemas.microsoft.com/office/drawing/2014/main" id="{7017B2C7-CF45-4442-AC75-2E3561445878}"/>
+              </a:ext>
+            </a:extLst>
+          </p:cNvPr>
+          <p:cNvSpPr/>
+          <p:nvPr/>
+        </p:nvSpPr>
+        <p:spPr>
+          <a:xfrm>
+            <a:off x="4418942" y="4400442"/>
+            <a:ext cx="1003844" cy="288032"/>
+          </a:xfrm>
+          <a:prstGeom prst="rect">
+            <a:avLst/>
+          </a:prstGeom>
+          <a:solidFill>
+            <a:schemeClr val="tx2">
+              <a:lumMod val="20000"/>
+              <a:lumOff val="80000"/>
+            </a:schemeClr>
+          </a:solidFill>
+          <a:ln w="9525">
+            <a:solidFill>
+              <a:schemeClr val="accent3">
+                <a:lumMod val="50000"/>
+              </a:schemeClr>
+            </a:solidFill>
+          </a:ln>
+        </p:spPr>
+        <p:style>
+          <a:lnRef idx="2">
+            <a:schemeClr val="accent1">
+              <a:shade val="50000"/>
+            </a:schemeClr>
+          </a:lnRef>
+          <a:fillRef idx="1">
+            <a:schemeClr val="accent1"/>
+          </a:fillRef>
+          <a:effectRef idx="0">
+            <a:schemeClr val="accent1"/>
+          </a:effectRef>
+          <a:fontRef idx="minor">
+            <a:schemeClr val="lt1"/>
+          </a:fontRef>
+        </p:style>
+        <p:txBody>
+          <a:bodyPr rtlCol="0" anchor="ctr"/>
+          <a:lstStyle/>
+          <a:p>
+            <a:r>
+              <a:rPr lang="en-US" altLang="ko-KR" sz="1400" strike="sngStrike" dirty="0">
+                <a:solidFill>
+                  <a:schemeClr val="bg1">
+                    <a:lumMod val="65000"/>
+                  </a:schemeClr>
+                </a:solidFill>
+              </a:rPr>
+              <a:t>null</a:t>
+            </a:r>
+            <a:endParaRPr lang="ko-KR" altLang="en-US" sz="1400" strike="sngStrike" dirty="0">
+              <a:solidFill>
+                <a:schemeClr val="bg1">
+                  <a:lumMod val="65000"/>
+                </a:schemeClr>
+              </a:solidFill>
+            </a:endParaRPr>
+          </a:p>
+        </p:txBody>
+      </p:sp>
+      <p:cxnSp>
+        <p:nvCxnSpPr>
+          <p:cNvPr id="122" name="직선 화살표 연결선 121">
+            <a:extLst>
+              <a:ext uri="{FF2B5EF4-FFF2-40B4-BE49-F238E27FC236}">
+                <a16:creationId xmlns:a16="http://schemas.microsoft.com/office/drawing/2014/main" id="{56883533-D7FB-42F3-B0A2-5A508359300D}"/>
+              </a:ext>
+            </a:extLst>
+          </p:cNvPr>
+          <p:cNvCxnSpPr/>
+          <p:nvPr/>
+        </p:nvCxnSpPr>
+        <p:spPr>
+          <a:xfrm>
+            <a:off x="4798670" y="4270536"/>
+            <a:ext cx="166741" cy="0"/>
+          </a:xfrm>
+          <a:prstGeom prst="straightConnector1">
+            <a:avLst/>
+          </a:prstGeom>
+          <a:ln w="25400">
+            <a:solidFill>
+              <a:srgbClr val="FF0000"/>
+            </a:solidFill>
+            <a:tailEnd type="triangle"/>
+          </a:ln>
+        </p:spPr>
+        <p:style>
+          <a:lnRef idx="1">
+            <a:schemeClr val="accent1"/>
+          </a:lnRef>
+          <a:fillRef idx="0">
+            <a:schemeClr val="accent1"/>
+          </a:fillRef>
+          <a:effectRef idx="0">
+            <a:schemeClr val="accent1"/>
+          </a:effectRef>
+          <a:fontRef idx="minor">
+            <a:schemeClr val="tx1"/>
+          </a:fontRef>
+        </p:style>
+      </p:cxnSp>
+      <p:sp>
+        <p:nvSpPr>
+          <p:cNvPr id="123" name="TextBox 122">
+            <a:extLst>
+              <a:ext uri="{FF2B5EF4-FFF2-40B4-BE49-F238E27FC236}">
+                <a16:creationId xmlns:a16="http://schemas.microsoft.com/office/drawing/2014/main" id="{26BCF985-5034-4117-A97F-1A91ACEB71B0}"/>
+              </a:ext>
+            </a:extLst>
+          </p:cNvPr>
+          <p:cNvSpPr txBox="1"/>
+          <p:nvPr/>
+        </p:nvSpPr>
+        <p:spPr>
+          <a:xfrm>
+            <a:off x="4891655" y="4129739"/>
+            <a:ext cx="627095" cy="276999"/>
+          </a:xfrm>
+          <a:prstGeom prst="rect">
+            <a:avLst/>
+          </a:prstGeom>
+          <a:noFill/>
+        </p:spPr>
+        <p:txBody>
+          <a:bodyPr wrap="none" rtlCol="0">
+            <a:spAutoFit/>
+          </a:bodyPr>
+          <a:lstStyle/>
+          <a:p>
+            <a:r>
+              <a:rPr lang="en-US" altLang="ko-KR" sz="1200" b="1" dirty="0"/>
+              <a:t>0x200</a:t>
+            </a:r>
+            <a:endParaRPr lang="ko-KR" altLang="en-US" sz="1200" b="1" dirty="0"/>
+          </a:p>
+        </p:txBody>
+      </p:sp>
+      <p:cxnSp>
+        <p:nvCxnSpPr>
+          <p:cNvPr id="124" name="직선 화살표 연결선 123">
+            <a:extLst>
+              <a:ext uri="{FF2B5EF4-FFF2-40B4-BE49-F238E27FC236}">
+                <a16:creationId xmlns:a16="http://schemas.microsoft.com/office/drawing/2014/main" id="{3F002A52-E5E7-4543-893E-BC1B49ECA215}"/>
+              </a:ext>
+            </a:extLst>
+          </p:cNvPr>
+          <p:cNvCxnSpPr/>
+          <p:nvPr/>
+        </p:nvCxnSpPr>
+        <p:spPr>
+          <a:xfrm>
+            <a:off x="4798670" y="4555250"/>
+            <a:ext cx="166741" cy="0"/>
+          </a:xfrm>
+          <a:prstGeom prst="straightConnector1">
+            <a:avLst/>
+          </a:prstGeom>
+          <a:ln w="25400">
+            <a:solidFill>
+              <a:srgbClr val="FF0000"/>
+            </a:solidFill>
+            <a:tailEnd type="triangle"/>
+          </a:ln>
+        </p:spPr>
+        <p:style>
+          <a:lnRef idx="1">
+            <a:schemeClr val="accent1"/>
+          </a:lnRef>
+          <a:fillRef idx="0">
+            <a:schemeClr val="accent1"/>
+          </a:fillRef>
+          <a:effectRef idx="0">
+            <a:schemeClr val="accent1"/>
+          </a:effectRef>
+          <a:fontRef idx="minor">
+            <a:schemeClr val="tx1"/>
+          </a:fontRef>
+        </p:style>
+      </p:cxnSp>
+      <p:sp>
+        <p:nvSpPr>
+          <p:cNvPr id="125" name="TextBox 124">
+            <a:extLst>
+              <a:ext uri="{FF2B5EF4-FFF2-40B4-BE49-F238E27FC236}">
+                <a16:creationId xmlns:a16="http://schemas.microsoft.com/office/drawing/2014/main" id="{C0BDE4E4-22EB-445A-A48E-5D9466F88182}"/>
+              </a:ext>
+            </a:extLst>
+          </p:cNvPr>
+          <p:cNvSpPr txBox="1"/>
+          <p:nvPr/>
+        </p:nvSpPr>
+        <p:spPr>
+          <a:xfrm>
+            <a:off x="4891655" y="4414453"/>
+            <a:ext cx="627095" cy="276999"/>
+          </a:xfrm>
+          <a:prstGeom prst="rect">
+            <a:avLst/>
+          </a:prstGeom>
+          <a:noFill/>
+        </p:spPr>
+        <p:txBody>
+          <a:bodyPr wrap="none" rtlCol="0">
+            <a:spAutoFit/>
+          </a:bodyPr>
+          <a:lstStyle/>
+          <a:p>
+            <a:r>
+              <a:rPr lang="en-US" altLang="ko-KR" sz="1200" b="1" dirty="0"/>
+              <a:t>0x300</a:t>
+            </a:r>
+            <a:endParaRPr lang="ko-KR" altLang="en-US" sz="1200" b="1" dirty="0"/>
+          </a:p>
+        </p:txBody>
+      </p:sp>
+      <p:sp>
+        <p:nvSpPr>
+          <p:cNvPr id="132" name="직사각형 131">
+            <a:extLst>
+              <a:ext uri="{FF2B5EF4-FFF2-40B4-BE49-F238E27FC236}">
+                <a16:creationId xmlns:a16="http://schemas.microsoft.com/office/drawing/2014/main" id="{4873AD3E-1741-4E67-86A4-F1E786B4C798}"/>
+              </a:ext>
+            </a:extLst>
+          </p:cNvPr>
+          <p:cNvSpPr/>
+          <p:nvPr/>
+        </p:nvSpPr>
+        <p:spPr>
+          <a:xfrm>
+            <a:off x="4130910" y="1945691"/>
+            <a:ext cx="1003844" cy="288032"/>
+          </a:xfrm>
+          <a:prstGeom prst="rect">
+            <a:avLst/>
+          </a:prstGeom>
+          <a:solidFill>
+            <a:schemeClr val="tx2">
+              <a:lumMod val="20000"/>
+              <a:lumOff val="80000"/>
+            </a:schemeClr>
+          </a:solidFill>
+          <a:ln w="9525">
+            <a:solidFill>
+              <a:schemeClr val="accent3">
+                <a:lumMod val="50000"/>
+              </a:schemeClr>
+            </a:solidFill>
+          </a:ln>
+        </p:spPr>
+        <p:style>
+          <a:lnRef idx="2">
+            <a:schemeClr val="accent1">
+              <a:shade val="50000"/>
+            </a:schemeClr>
+          </a:lnRef>
+          <a:fillRef idx="1">
+            <a:schemeClr val="accent1"/>
+          </a:fillRef>
+          <a:effectRef idx="0">
+            <a:schemeClr val="accent1"/>
+          </a:effectRef>
+          <a:fontRef idx="minor">
+            <a:schemeClr val="lt1"/>
+          </a:fontRef>
+        </p:style>
+        <p:txBody>
+          <a:bodyPr rtlCol="0" anchor="ctr"/>
+          <a:lstStyle/>
+          <a:p>
+            <a:r>
+              <a:rPr lang="en-US" altLang="ko-KR" sz="1400" strike="sngStrike" dirty="0">
+                <a:solidFill>
+                  <a:schemeClr val="bg1">
+                    <a:lumMod val="65000"/>
+                  </a:schemeClr>
+                </a:solidFill>
+              </a:rPr>
+              <a:t>null</a:t>
+            </a:r>
+            <a:endParaRPr lang="ko-KR" altLang="en-US" sz="1400" strike="sngStrike" dirty="0">
+              <a:solidFill>
+                <a:schemeClr val="bg1">
+                  <a:lumMod val="65000"/>
+                </a:schemeClr>
+              </a:solidFill>
+            </a:endParaRPr>
+          </a:p>
+        </p:txBody>
+      </p:sp>
+      <p:sp>
+        <p:nvSpPr>
+          <p:cNvPr id="133" name="직사각형 132">
+            <a:extLst>
+              <a:ext uri="{FF2B5EF4-FFF2-40B4-BE49-F238E27FC236}">
+                <a16:creationId xmlns:a16="http://schemas.microsoft.com/office/drawing/2014/main" id="{E227A7F0-C717-40E1-983C-1888E3229E67}"/>
+              </a:ext>
+            </a:extLst>
+          </p:cNvPr>
+          <p:cNvSpPr/>
+          <p:nvPr/>
+        </p:nvSpPr>
+        <p:spPr>
+          <a:xfrm>
+            <a:off x="4130910" y="2233723"/>
+            <a:ext cx="1003844" cy="288032"/>
+          </a:xfrm>
+          <a:prstGeom prst="rect">
+            <a:avLst/>
+          </a:prstGeom>
+          <a:solidFill>
+            <a:schemeClr val="tx2">
+              <a:lumMod val="20000"/>
+              <a:lumOff val="80000"/>
+            </a:schemeClr>
+          </a:solidFill>
+          <a:ln w="9525">
+            <a:solidFill>
+              <a:schemeClr val="accent3">
+                <a:lumMod val="50000"/>
+              </a:schemeClr>
+            </a:solidFill>
+          </a:ln>
+        </p:spPr>
+        <p:style>
+          <a:lnRef idx="2">
+            <a:schemeClr val="accent1">
+              <a:shade val="50000"/>
+            </a:schemeClr>
+          </a:lnRef>
+          <a:fillRef idx="1">
+            <a:schemeClr val="accent1"/>
+          </a:fillRef>
+          <a:effectRef idx="0">
+            <a:schemeClr val="accent1"/>
+          </a:effectRef>
+          <a:fontRef idx="minor">
+            <a:schemeClr val="lt1"/>
+          </a:fontRef>
+        </p:style>
+        <p:txBody>
+          <a:bodyPr rtlCol="0" anchor="ctr"/>
+          <a:lstStyle/>
+          <a:p>
+            <a:r>
+              <a:rPr lang="en-US" altLang="ko-KR" sz="1400" strike="sngStrike" dirty="0">
+                <a:solidFill>
+                  <a:schemeClr val="bg1">
+                    <a:lumMod val="65000"/>
+                  </a:schemeClr>
+                </a:solidFill>
+              </a:rPr>
+              <a:t>null</a:t>
+            </a:r>
+            <a:endParaRPr lang="ko-KR" altLang="en-US" sz="1400" strike="sngStrike" dirty="0">
+              <a:solidFill>
+                <a:schemeClr val="bg1">
+                  <a:lumMod val="65000"/>
+                </a:schemeClr>
+              </a:solidFill>
+            </a:endParaRPr>
+          </a:p>
+        </p:txBody>
+      </p:sp>
+      <p:cxnSp>
+        <p:nvCxnSpPr>
+          <p:cNvPr id="134" name="직선 화살표 연결선 133">
+            <a:extLst>
+              <a:ext uri="{FF2B5EF4-FFF2-40B4-BE49-F238E27FC236}">
+                <a16:creationId xmlns:a16="http://schemas.microsoft.com/office/drawing/2014/main" id="{B71FADCE-625F-4980-A141-318FB5A8DF85}"/>
+              </a:ext>
+            </a:extLst>
+          </p:cNvPr>
+          <p:cNvCxnSpPr/>
+          <p:nvPr/>
+        </p:nvCxnSpPr>
+        <p:spPr>
+          <a:xfrm>
+            <a:off x="4510638" y="2103817"/>
+            <a:ext cx="166741" cy="0"/>
+          </a:xfrm>
+          <a:prstGeom prst="straightConnector1">
+            <a:avLst/>
+          </a:prstGeom>
+          <a:ln w="25400">
+            <a:solidFill>
+              <a:srgbClr val="FF0000"/>
+            </a:solidFill>
+            <a:tailEnd type="triangle"/>
+          </a:ln>
+        </p:spPr>
+        <p:style>
+          <a:lnRef idx="1">
+            <a:schemeClr val="accent1"/>
+          </a:lnRef>
+          <a:fillRef idx="0">
+            <a:schemeClr val="accent1"/>
+          </a:fillRef>
+          <a:effectRef idx="0">
+            <a:schemeClr val="accent1"/>
+          </a:effectRef>
+          <a:fontRef idx="minor">
+            <a:schemeClr val="tx1"/>
+          </a:fontRef>
+        </p:style>
+      </p:cxnSp>
+      <p:sp>
+        <p:nvSpPr>
+          <p:cNvPr id="135" name="TextBox 134">
+            <a:extLst>
+              <a:ext uri="{FF2B5EF4-FFF2-40B4-BE49-F238E27FC236}">
+                <a16:creationId xmlns:a16="http://schemas.microsoft.com/office/drawing/2014/main" id="{7C950CBC-0872-47EC-9B79-51CB68BA35C6}"/>
+              </a:ext>
+            </a:extLst>
+          </p:cNvPr>
+          <p:cNvSpPr txBox="1"/>
+          <p:nvPr/>
+        </p:nvSpPr>
+        <p:spPr>
+          <a:xfrm>
+            <a:off x="4603623" y="1963020"/>
+            <a:ext cx="627095" cy="276999"/>
+          </a:xfrm>
+          <a:prstGeom prst="rect">
+            <a:avLst/>
+          </a:prstGeom>
+          <a:noFill/>
+        </p:spPr>
+        <p:txBody>
+          <a:bodyPr wrap="none" rtlCol="0">
+            <a:spAutoFit/>
+          </a:bodyPr>
+          <a:lstStyle/>
+          <a:p>
+            <a:r>
+              <a:rPr lang="en-US" altLang="ko-KR" sz="1200" b="1" dirty="0"/>
+              <a:t>0x200</a:t>
+            </a:r>
+            <a:endParaRPr lang="ko-KR" altLang="en-US" sz="1200" b="1" dirty="0"/>
+          </a:p>
+        </p:txBody>
+      </p:sp>
+      <p:cxnSp>
+        <p:nvCxnSpPr>
+          <p:cNvPr id="136" name="직선 화살표 연결선 135">
+            <a:extLst>
+              <a:ext uri="{FF2B5EF4-FFF2-40B4-BE49-F238E27FC236}">
+                <a16:creationId xmlns:a16="http://schemas.microsoft.com/office/drawing/2014/main" id="{A65AC342-5D7D-4051-B1BD-68D5410BD40B}"/>
+              </a:ext>
+            </a:extLst>
+          </p:cNvPr>
+          <p:cNvCxnSpPr/>
+          <p:nvPr/>
+        </p:nvCxnSpPr>
+        <p:spPr>
+          <a:xfrm>
+            <a:off x="4510638" y="2388531"/>
+            <a:ext cx="166741" cy="0"/>
+          </a:xfrm>
+          <a:prstGeom prst="straightConnector1">
+            <a:avLst/>
+          </a:prstGeom>
+          <a:ln w="25400">
+            <a:solidFill>
+              <a:srgbClr val="FF0000"/>
+            </a:solidFill>
+            <a:tailEnd type="triangle"/>
+          </a:ln>
+        </p:spPr>
+        <p:style>
+          <a:lnRef idx="1">
+            <a:schemeClr val="accent1"/>
+          </a:lnRef>
+          <a:fillRef idx="0">
+            <a:schemeClr val="accent1"/>
+          </a:fillRef>
+          <a:effectRef idx="0">
+            <a:schemeClr val="accent1"/>
+          </a:effectRef>
+          <a:fontRef idx="minor">
+            <a:schemeClr val="tx1"/>
+          </a:fontRef>
+        </p:style>
+      </p:cxnSp>
+      <p:sp>
+        <p:nvSpPr>
+          <p:cNvPr id="137" name="TextBox 136">
+            <a:extLst>
+              <a:ext uri="{FF2B5EF4-FFF2-40B4-BE49-F238E27FC236}">
+                <a16:creationId xmlns:a16="http://schemas.microsoft.com/office/drawing/2014/main" id="{CD613545-C85B-44B8-8BA7-02BE0330B542}"/>
+              </a:ext>
+            </a:extLst>
+          </p:cNvPr>
+          <p:cNvSpPr txBox="1"/>
+          <p:nvPr/>
+        </p:nvSpPr>
+        <p:spPr>
+          <a:xfrm>
+            <a:off x="4603623" y="2247734"/>
+            <a:ext cx="627095" cy="276999"/>
+          </a:xfrm>
+          <a:prstGeom prst="rect">
+            <a:avLst/>
+          </a:prstGeom>
+          <a:noFill/>
+        </p:spPr>
+        <p:txBody>
+          <a:bodyPr wrap="none" rtlCol="0">
+            <a:spAutoFit/>
+          </a:bodyPr>
+          <a:lstStyle/>
+          <a:p>
+            <a:r>
+              <a:rPr lang="en-US" altLang="ko-KR" sz="1200" b="1" dirty="0"/>
+              <a:t>0x300</a:t>
+            </a:r>
+            <a:endParaRPr lang="ko-KR" altLang="en-US" sz="1200" b="1" dirty="0"/>
+          </a:p>
+        </p:txBody>
+      </p:sp>
+      <p:sp>
+        <p:nvSpPr>
+          <p:cNvPr id="11" name="TextBox 10">
+            <a:extLst>
+              <a:ext uri="{FF2B5EF4-FFF2-40B4-BE49-F238E27FC236}">
+                <a16:creationId xmlns:a16="http://schemas.microsoft.com/office/drawing/2014/main" id="{BA28B3DB-3DFF-45F3-92EB-87245ADFDA5B}"/>
+              </a:ext>
+            </a:extLst>
+          </p:cNvPr>
+          <p:cNvSpPr txBox="1"/>
+          <p:nvPr/>
+        </p:nvSpPr>
+        <p:spPr>
+          <a:xfrm>
+            <a:off x="7100833" y="2696483"/>
+            <a:ext cx="921727" cy="369332"/>
+          </a:xfrm>
+          <a:prstGeom prst="rect">
+            <a:avLst/>
+          </a:prstGeom>
+          <a:noFill/>
+        </p:spPr>
+        <p:txBody>
+          <a:bodyPr wrap="none" rtlCol="0">
+            <a:spAutoFit/>
+          </a:bodyPr>
+          <a:lstStyle/>
+          <a:p>
+            <a:r>
+              <a:rPr lang="en-US" altLang="ko-KR" dirty="0"/>
+              <a:t>“white”</a:t>
+            </a:r>
+            <a:endParaRPr lang="ko-KR" altLang="en-US" dirty="0"/>
+          </a:p>
+        </p:txBody>
+      </p:sp>
+      <p:sp>
+        <p:nvSpPr>
+          <p:cNvPr id="138" name="TextBox 137">
+            <a:extLst>
+              <a:ext uri="{FF2B5EF4-FFF2-40B4-BE49-F238E27FC236}">
+                <a16:creationId xmlns:a16="http://schemas.microsoft.com/office/drawing/2014/main" id="{EFD82D01-6848-4103-840F-DED65A883744}"/>
+              </a:ext>
+            </a:extLst>
+          </p:cNvPr>
+          <p:cNvSpPr txBox="1"/>
+          <p:nvPr/>
+        </p:nvSpPr>
+        <p:spPr>
+          <a:xfrm>
+            <a:off x="7290090" y="3351670"/>
+            <a:ext cx="596638" cy="276999"/>
+          </a:xfrm>
+          <a:prstGeom prst="rect">
+            <a:avLst/>
+          </a:prstGeom>
+          <a:noFill/>
+        </p:spPr>
+        <p:txBody>
+          <a:bodyPr wrap="none" rtlCol="0">
+            <a:spAutoFit/>
+          </a:bodyPr>
+          <a:lstStyle/>
+          <a:p>
+            <a:r>
+              <a:rPr lang="en-US" altLang="ko-KR" sz="1200" dirty="0"/>
+              <a:t>0x300</a:t>
+            </a:r>
+            <a:endParaRPr lang="ko-KR" altLang="en-US" sz="1200" dirty="0"/>
+          </a:p>
+        </p:txBody>
+      </p:sp>
+      <p:sp>
+        <p:nvSpPr>
+          <p:cNvPr id="139" name="TextBox 138">
+            <a:extLst>
+              <a:ext uri="{FF2B5EF4-FFF2-40B4-BE49-F238E27FC236}">
+                <a16:creationId xmlns:a16="http://schemas.microsoft.com/office/drawing/2014/main" id="{3C5C16B8-D97F-403D-8BD0-9E469937E252}"/>
+              </a:ext>
+            </a:extLst>
+          </p:cNvPr>
+          <p:cNvSpPr txBox="1"/>
+          <p:nvPr/>
+        </p:nvSpPr>
+        <p:spPr>
+          <a:xfrm>
+            <a:off x="7501962" y="3563724"/>
+            <a:ext cx="814454" cy="369332"/>
+          </a:xfrm>
+          <a:prstGeom prst="rect">
+            <a:avLst/>
+          </a:prstGeom>
+          <a:noFill/>
+        </p:spPr>
+        <p:txBody>
+          <a:bodyPr wrap="none" rtlCol="0">
+            <a:spAutoFit/>
+          </a:bodyPr>
+          <a:lstStyle/>
+          <a:p>
+            <a:r>
+              <a:rPr lang="en-US" altLang="ko-KR" dirty="0"/>
+              <a:t>“auto”</a:t>
+            </a:r>
+            <a:endParaRPr lang="ko-KR" altLang="en-US" dirty="0"/>
+          </a:p>
+        </p:txBody>
+      </p:sp>
+      <p:cxnSp>
+        <p:nvCxnSpPr>
+          <p:cNvPr id="140" name="꺾인 연결선 37">
+            <a:extLst>
+              <a:ext uri="{FF2B5EF4-FFF2-40B4-BE49-F238E27FC236}">
+                <a16:creationId xmlns:a16="http://schemas.microsoft.com/office/drawing/2014/main" id="{E149795C-4856-4E95-9902-BD3D8700C1D2}"/>
+              </a:ext>
+            </a:extLst>
+          </p:cNvPr>
+          <p:cNvCxnSpPr>
+            <a:cxnSpLocks/>
+            <a:stCxn id="125" idx="3"/>
+            <a:endCxn id="138" idx="1"/>
+          </p:cNvCxnSpPr>
+          <p:nvPr/>
+        </p:nvCxnSpPr>
+        <p:spPr>
+          <a:xfrm flipV="1">
+            <a:off x="5518750" y="3490170"/>
+            <a:ext cx="1771340" cy="1062783"/>
+          </a:xfrm>
+          <a:prstGeom prst="bentConnector3">
+            <a:avLst>
+              <a:gd name="adj1" fmla="val 50000"/>
+            </a:avLst>
+          </a:prstGeom>
+          <a:ln w="19050">
+            <a:solidFill>
+              <a:srgbClr val="FF0000"/>
+            </a:solidFill>
+            <a:prstDash val="dash"/>
+            <a:tailEnd type="arrow"/>
+          </a:ln>
+        </p:spPr>
+        <p:style>
+          <a:lnRef idx="1">
+            <a:schemeClr val="accent1"/>
+          </a:lnRef>
+          <a:fillRef idx="0">
+            <a:schemeClr val="accent1"/>
+          </a:fillRef>
+          <a:effectRef idx="0">
+            <a:schemeClr val="accent1"/>
+          </a:effectRef>
+          <a:fontRef idx="minor">
+            <a:schemeClr val="tx1"/>
+          </a:fontRef>
+        </p:style>
+      </p:cxnSp>
+      <p:cxnSp>
+        <p:nvCxnSpPr>
+          <p:cNvPr id="141" name="꺾인 연결선 37">
+            <a:extLst>
+              <a:ext uri="{FF2B5EF4-FFF2-40B4-BE49-F238E27FC236}">
+                <a16:creationId xmlns:a16="http://schemas.microsoft.com/office/drawing/2014/main" id="{03E49C12-AC1A-41F9-B4AC-520ECB9CEB4E}"/>
+              </a:ext>
+            </a:extLst>
+          </p:cNvPr>
+          <p:cNvCxnSpPr>
+            <a:cxnSpLocks/>
+            <a:stCxn id="123" idx="3"/>
+            <a:endCxn id="110" idx="1"/>
+          </p:cNvCxnSpPr>
+          <p:nvPr/>
+        </p:nvCxnSpPr>
+        <p:spPr>
+          <a:xfrm flipV="1">
+            <a:off x="5518750" y="2622929"/>
+            <a:ext cx="1370211" cy="1645310"/>
+          </a:xfrm>
+          <a:prstGeom prst="bentConnector3">
+            <a:avLst>
+              <a:gd name="adj1" fmla="val 50000"/>
+            </a:avLst>
+          </a:prstGeom>
+          <a:ln w="19050">
+            <a:solidFill>
+              <a:srgbClr val="FF0000"/>
+            </a:solidFill>
+            <a:prstDash val="dash"/>
+            <a:tailEnd type="arrow"/>
+          </a:ln>
+        </p:spPr>
+        <p:style>
+          <a:lnRef idx="1">
+            <a:schemeClr val="accent1"/>
+          </a:lnRef>
+          <a:fillRef idx="0">
+            <a:schemeClr val="accent1"/>
+          </a:fillRef>
+          <a:effectRef idx="0">
+            <a:schemeClr val="accent1"/>
+          </a:effectRef>
+          <a:fontRef idx="minor">
+            <a:schemeClr val="tx1"/>
+          </a:fontRef>
+        </p:style>
+      </p:cxnSp>
+      <p:cxnSp>
+        <p:nvCxnSpPr>
+          <p:cNvPr id="142" name="꺾인 연결선 37">
+            <a:extLst>
+              <a:ext uri="{FF2B5EF4-FFF2-40B4-BE49-F238E27FC236}">
+                <a16:creationId xmlns:a16="http://schemas.microsoft.com/office/drawing/2014/main" id="{6B0D3A68-1558-46E5-B459-2FCEC782249D}"/>
+              </a:ext>
+            </a:extLst>
+          </p:cNvPr>
+          <p:cNvCxnSpPr>
+            <a:cxnSpLocks/>
+            <a:stCxn id="135" idx="3"/>
+            <a:endCxn id="110" idx="0"/>
+          </p:cNvCxnSpPr>
+          <p:nvPr/>
+        </p:nvCxnSpPr>
+        <p:spPr>
+          <a:xfrm>
+            <a:off x="5230718" y="2101520"/>
+            <a:ext cx="1956562" cy="382909"/>
+          </a:xfrm>
+          <a:prstGeom prst="bentConnector2">
+            <a:avLst/>
+          </a:prstGeom>
+          <a:ln w="19050">
+            <a:solidFill>
+              <a:srgbClr val="FF0000"/>
+            </a:solidFill>
+            <a:prstDash val="dash"/>
+            <a:tailEnd type="arrow"/>
+          </a:ln>
+        </p:spPr>
+        <p:style>
+          <a:lnRef idx="1">
+            <a:schemeClr val="accent1"/>
+          </a:lnRef>
+          <a:fillRef idx="0">
+            <a:schemeClr val="accent1"/>
+          </a:fillRef>
+          <a:effectRef idx="0">
+            <a:schemeClr val="accent1"/>
+          </a:effectRef>
+          <a:fontRef idx="minor">
+            <a:schemeClr val="tx1"/>
+          </a:fontRef>
+        </p:style>
+      </p:cxnSp>
+      <p:cxnSp>
+        <p:nvCxnSpPr>
+          <p:cNvPr id="143" name="꺾인 연결선 37">
+            <a:extLst>
+              <a:ext uri="{FF2B5EF4-FFF2-40B4-BE49-F238E27FC236}">
+                <a16:creationId xmlns:a16="http://schemas.microsoft.com/office/drawing/2014/main" id="{098FFA5F-C37D-4A7B-B6C8-0D56E0D58E79}"/>
+              </a:ext>
+            </a:extLst>
+          </p:cNvPr>
+          <p:cNvCxnSpPr>
+            <a:cxnSpLocks/>
+            <a:stCxn id="137" idx="3"/>
+            <a:endCxn id="138" idx="0"/>
+          </p:cNvCxnSpPr>
+          <p:nvPr/>
+        </p:nvCxnSpPr>
+        <p:spPr>
+          <a:xfrm>
+            <a:off x="5230718" y="2386234"/>
+            <a:ext cx="2357691" cy="965436"/>
+          </a:xfrm>
+          <a:prstGeom prst="bentConnector2">
+            <a:avLst/>
+          </a:prstGeom>
+          <a:ln w="19050">
+            <a:solidFill>
+              <a:srgbClr val="FF0000"/>
+            </a:solidFill>
+            <a:prstDash val="dash"/>
+            <a:tailEnd type="arrow"/>
+          </a:ln>
+        </p:spPr>
+        <p:style>
+          <a:lnRef idx="1">
+            <a:schemeClr val="accent1"/>
+          </a:lnRef>
+          <a:fillRef idx="0">
+            <a:schemeClr val="accent1"/>
+          </a:fillRef>
+          <a:effectRef idx="0">
+            <a:schemeClr val="accent1"/>
+          </a:effectRef>
+          <a:fontRef idx="minor">
+            <a:schemeClr val="tx1"/>
+          </a:fontRef>
+        </p:style>
+      </p:cxnSp>
+    </p:spTree>
+    <p:extLst>
+      <p:ext uri="{BB962C8B-B14F-4D97-AF65-F5344CB8AC3E}">
+        <p14:creationId xmlns:p14="http://schemas.microsoft.com/office/powerpoint/2010/main" val="3287470712"/>
       </p:ext>
     </p:extLst>
   </p:cSld>
